--- a/Kicad PCB.pptx
+++ b/Kicad PCB.pptx
@@ -7,9 +7,9 @@
   <p:sldIdLst>
     <p:sldId id="257" r:id="rId2"/>
     <p:sldId id="258" r:id="rId3"/>
-    <p:sldId id="260" r:id="rId4"/>
-    <p:sldId id="259" r:id="rId5"/>
-    <p:sldId id="261" r:id="rId6"/>
+    <p:sldId id="261" r:id="rId4"/>
+    <p:sldId id="260" r:id="rId5"/>
+    <p:sldId id="259" r:id="rId6"/>
     <p:sldId id="262" r:id="rId7"/>
     <p:sldId id="263" r:id="rId8"/>
     <p:sldId id="266" r:id="rId9"/>
@@ -291,7 +291,7 @@
           <a:p>
             <a:fld id="{48A87A34-81AB-432B-8DAE-1953F412C126}" type="datetimeFigureOut">
               <a:rPr lang="en-US" smtClean="0"/>
-              <a:t>2/16/2021</a:t>
+              <a:t>2/20/2021</a:t>
             </a:fld>
             <a:endParaRPr lang="en-US" dirty="0"/>
           </a:p>
@@ -559,7 +559,7 @@
             <a:fld id="{48A87A34-81AB-432B-8DAE-1953F412C126}" type="datetimeFigureOut">
               <a:rPr lang="en-US" smtClean="0"/>
               <a:pPr/>
-              <a:t>2/16/2021</a:t>
+              <a:t>2/20/2021</a:t>
             </a:fld>
             <a:endParaRPr lang="en-US" dirty="0"/>
           </a:p>
@@ -792,7 +792,7 @@
             <a:fld id="{48A87A34-81AB-432B-8DAE-1953F412C126}" type="datetimeFigureOut">
               <a:rPr lang="en-US" smtClean="0"/>
               <a:pPr/>
-              <a:t>2/16/2021</a:t>
+              <a:t>2/20/2021</a:t>
             </a:fld>
             <a:endParaRPr lang="en-US" dirty="0"/>
           </a:p>
@@ -1104,7 +1104,7 @@
             <a:fld id="{48A87A34-81AB-432B-8DAE-1953F412C126}" type="datetimeFigureOut">
               <a:rPr lang="en-US" smtClean="0"/>
               <a:pPr/>
-              <a:t>2/16/2021</a:t>
+              <a:t>2/20/2021</a:t>
             </a:fld>
             <a:endParaRPr lang="en-US" dirty="0"/>
           </a:p>
@@ -1579,7 +1579,7 @@
             <a:fld id="{48A87A34-81AB-432B-8DAE-1953F412C126}" type="datetimeFigureOut">
               <a:rPr lang="en-US" smtClean="0"/>
               <a:pPr/>
-              <a:t>2/16/2021</a:t>
+              <a:t>2/20/2021</a:t>
             </a:fld>
             <a:endParaRPr lang="en-US" dirty="0"/>
           </a:p>
@@ -2128,7 +2128,7 @@
             <a:fld id="{48A87A34-81AB-432B-8DAE-1953F412C126}" type="datetimeFigureOut">
               <a:rPr lang="en-US" smtClean="0"/>
               <a:pPr/>
-              <a:t>2/16/2021</a:t>
+              <a:t>2/20/2021</a:t>
             </a:fld>
             <a:endParaRPr lang="en-US" dirty="0"/>
           </a:p>
@@ -2904,7 +2904,7 @@
             <a:fld id="{48A87A34-81AB-432B-8DAE-1953F412C126}" type="datetimeFigureOut">
               <a:rPr lang="en-US" smtClean="0"/>
               <a:pPr/>
-              <a:t>2/16/2021</a:t>
+              <a:t>2/20/2021</a:t>
             </a:fld>
             <a:endParaRPr lang="en-US" dirty="0"/>
           </a:p>
@@ -3080,7 +3080,7 @@
           <a:p>
             <a:fld id="{48A87A34-81AB-432B-8DAE-1953F412C126}" type="datetimeFigureOut">
               <a:rPr lang="en-US" smtClean="0"/>
-              <a:t>2/16/2021</a:t>
+              <a:t>2/20/2021</a:t>
             </a:fld>
             <a:endParaRPr lang="en-US" dirty="0"/>
           </a:p>
@@ -3303,7 +3303,7 @@
           <a:p>
             <a:fld id="{48A87A34-81AB-432B-8DAE-1953F412C126}" type="datetimeFigureOut">
               <a:rPr lang="en-US" smtClean="0"/>
-              <a:t>2/16/2021</a:t>
+              <a:t>2/20/2021</a:t>
             </a:fld>
             <a:endParaRPr lang="en-US" dirty="0"/>
           </a:p>
@@ -3483,7 +3483,7 @@
           <a:p>
             <a:fld id="{48A87A34-81AB-432B-8DAE-1953F412C126}" type="datetimeFigureOut">
               <a:rPr lang="en-US" smtClean="0"/>
-              <a:t>2/16/2021</a:t>
+              <a:t>2/20/2021</a:t>
             </a:fld>
             <a:endParaRPr lang="en-US" dirty="0"/>
           </a:p>
@@ -3772,7 +3772,7 @@
           <a:p>
             <a:fld id="{48A87A34-81AB-432B-8DAE-1953F412C126}" type="datetimeFigureOut">
               <a:rPr lang="en-US" smtClean="0"/>
-              <a:t>2/16/2021</a:t>
+              <a:t>2/20/2021</a:t>
             </a:fld>
             <a:endParaRPr lang="en-US" dirty="0"/>
           </a:p>
@@ -4014,7 +4014,7 @@
           <a:p>
             <a:fld id="{48A87A34-81AB-432B-8DAE-1953F412C126}" type="datetimeFigureOut">
               <a:rPr lang="en-US" smtClean="0"/>
-              <a:t>2/16/2021</a:t>
+              <a:t>2/20/2021</a:t>
             </a:fld>
             <a:endParaRPr lang="en-US" dirty="0"/>
           </a:p>
@@ -4393,7 +4393,7 @@
           <a:p>
             <a:fld id="{48A87A34-81AB-432B-8DAE-1953F412C126}" type="datetimeFigureOut">
               <a:rPr lang="en-US" smtClean="0"/>
-              <a:t>2/16/2021</a:t>
+              <a:t>2/20/2021</a:t>
             </a:fld>
             <a:endParaRPr lang="en-US" dirty="0"/>
           </a:p>
@@ -4511,7 +4511,7 @@
           <a:p>
             <a:fld id="{48A87A34-81AB-432B-8DAE-1953F412C126}" type="datetimeFigureOut">
               <a:rPr lang="en-US" smtClean="0"/>
-              <a:t>2/16/2021</a:t>
+              <a:t>2/20/2021</a:t>
             </a:fld>
             <a:endParaRPr lang="en-US" dirty="0"/>
           </a:p>
@@ -4606,7 +4606,7 @@
           <a:p>
             <a:fld id="{48A87A34-81AB-432B-8DAE-1953F412C126}" type="datetimeFigureOut">
               <a:rPr lang="en-US" smtClean="0"/>
-              <a:t>2/16/2021</a:t>
+              <a:t>2/20/2021</a:t>
             </a:fld>
             <a:endParaRPr lang="en-US" dirty="0"/>
           </a:p>
@@ -4855,7 +4855,7 @@
           <a:p>
             <a:fld id="{48A87A34-81AB-432B-8DAE-1953F412C126}" type="datetimeFigureOut">
               <a:rPr lang="en-US" smtClean="0"/>
-              <a:t>2/16/2021</a:t>
+              <a:t>2/20/2021</a:t>
             </a:fld>
             <a:endParaRPr lang="en-US" dirty="0"/>
           </a:p>
@@ -5113,7 +5113,7 @@
             <a:fld id="{48A87A34-81AB-432B-8DAE-1953F412C126}" type="datetimeFigureOut">
               <a:rPr lang="en-US" smtClean="0"/>
               <a:pPr/>
-              <a:t>2/16/2021</a:t>
+              <a:t>2/20/2021</a:t>
             </a:fld>
             <a:endParaRPr lang="en-US" dirty="0"/>
           </a:p>
@@ -5357,7 +5357,7 @@
             <a:fld id="{48A87A34-81AB-432B-8DAE-1953F412C126}" type="datetimeFigureOut">
               <a:rPr lang="en-US" smtClean="0"/>
               <a:pPr/>
-              <a:t>2/16/2021</a:t>
+              <a:t>2/20/2021</a:t>
             </a:fld>
             <a:endParaRPr lang="en-US" dirty="0"/>
           </a:p>
@@ -6128,6 +6128,20 @@
           <a:p>
             <a:r>
               <a:rPr lang="en-GB" dirty="0"/>
+              <a:t>Import </a:t>
+            </a:r>
+            <a:r>
+              <a:rPr lang="en-GB" dirty="0" err="1"/>
+              <a:t>fra</a:t>
+            </a:r>
+            <a:r>
+              <a:rPr lang="en-GB" dirty="0"/>
+              <a:t> schematic</a:t>
+            </a:r>
+          </a:p>
+          <a:p>
+            <a:r>
+              <a:rPr lang="en-GB" dirty="0"/>
               <a:t>Footprint /</a:t>
             </a:r>
             <a:r>
@@ -6139,33 +6153,7 @@
           <a:p>
             <a:r>
               <a:rPr lang="en-GB" dirty="0"/>
-              <a:t>Import </a:t>
-            </a:r>
-            <a:r>
-              <a:rPr lang="en-GB" dirty="0" err="1"/>
-              <a:t>fra</a:t>
-            </a:r>
-            <a:r>
-              <a:rPr lang="en-GB" dirty="0"/>
-              <a:t> schematic</a:t>
-            </a:r>
-          </a:p>
-          <a:p>
-            <a:r>
-              <a:rPr lang="en-GB" dirty="0" err="1"/>
-              <a:t>Routning</a:t>
-            </a:r>
-            <a:r>
-              <a:rPr lang="en-GB" dirty="0"/>
-              <a:t> </a:t>
-            </a:r>
-            <a:r>
-              <a:rPr lang="en-GB" dirty="0" err="1"/>
-              <a:t>af</a:t>
-            </a:r>
-            <a:r>
-              <a:rPr lang="en-GB" dirty="0"/>
-              <a:t> </a:t>
+              <a:t>Routing af </a:t>
             </a:r>
             <a:r>
               <a:rPr lang="en-GB" dirty="0" err="1"/>
@@ -6254,7 +6242,7 @@
           <p:cNvPr id="2" name="Titel 1">
             <a:extLst>
               <a:ext uri="{FF2B5EF4-FFF2-40B4-BE49-F238E27FC236}">
-                <a16:creationId xmlns:a16="http://schemas.microsoft.com/office/drawing/2014/main" id="{72C7E04C-8006-4CD3-A66A-2357699CE722}"/>
+                <a16:creationId xmlns:a16="http://schemas.microsoft.com/office/drawing/2014/main" id="{6901D416-7CA9-499D-A657-6E40A14CAFE8}"/>
               </a:ext>
             </a:extLst>
           </p:cNvPr>
@@ -6272,7 +6260,15 @@
           <a:p>
             <a:r>
               <a:rPr lang="en-GB" dirty="0"/>
-              <a:t>Footprint</a:t>
+              <a:t>Import </a:t>
+            </a:r>
+            <a:r>
+              <a:rPr lang="en-GB" dirty="0" err="1"/>
+              <a:t>fra</a:t>
+            </a:r>
+            <a:r>
+              <a:rPr lang="en-GB" dirty="0"/>
+              <a:t> schematic</a:t>
             </a:r>
             <a:endParaRPr lang="LID4096" dirty="0"/>
           </a:p>
@@ -6283,7 +6279,7 @@
           <p:cNvPr id="3" name="Pladsholder til indhold 2">
             <a:extLst>
               <a:ext uri="{FF2B5EF4-FFF2-40B4-BE49-F238E27FC236}">
-                <a16:creationId xmlns:a16="http://schemas.microsoft.com/office/drawing/2014/main" id="{06C059E5-6769-4D27-AEA8-795B5A29D754}"/>
+                <a16:creationId xmlns:a16="http://schemas.microsoft.com/office/drawing/2014/main" id="{D82F42B5-0D54-4A72-93B6-D4C414B4994F}"/>
               </a:ext>
             </a:extLst>
           </p:cNvPr>
@@ -6301,7 +6297,21 @@
           <a:p>
             <a:r>
               <a:rPr lang="en-GB" dirty="0"/>
-              <a:t>Outline</a:t>
+              <a:t>Placement</a:t>
+            </a:r>
+          </a:p>
+          <a:p>
+            <a:r>
+              <a:rPr lang="en-GB" dirty="0"/>
+              <a:t>Check </a:t>
+            </a:r>
+            <a:r>
+              <a:rPr lang="en-GB" dirty="0" err="1"/>
+              <a:t>af</a:t>
+            </a:r>
+            <a:r>
+              <a:rPr lang="en-GB" dirty="0"/>
+              <a:t> footprint</a:t>
             </a:r>
           </a:p>
           <a:p>
@@ -6314,7 +6324,7 @@
           <p:cNvPr id="5" name="Billede 4">
             <a:extLst>
               <a:ext uri="{FF2B5EF4-FFF2-40B4-BE49-F238E27FC236}">
-                <a16:creationId xmlns:a16="http://schemas.microsoft.com/office/drawing/2014/main" id="{EC1C6006-988F-4C21-B1C7-558854E89828}"/>
+                <a16:creationId xmlns:a16="http://schemas.microsoft.com/office/drawing/2014/main" id="{66F5A1F8-28FD-4E3A-8DF1-3B53105CE27B}"/>
               </a:ext>
             </a:extLst>
           </p:cNvPr>
@@ -6331,8 +6341,8 @@
         </p:blipFill>
         <p:spPr>
           <a:xfrm>
-            <a:off x="4988708" y="2275583"/>
-            <a:ext cx="6856051" cy="4265525"/>
+            <a:off x="5560142" y="1718652"/>
+            <a:ext cx="6394123" cy="4975939"/>
           </a:xfrm>
           <a:prstGeom prst="rect">
             <a:avLst/>
@@ -6342,7 +6352,7 @@
     </p:spTree>
     <p:extLst>
       <p:ext uri="{BB962C8B-B14F-4D97-AF65-F5344CB8AC3E}">
-        <p14:creationId xmlns:p14="http://schemas.microsoft.com/office/powerpoint/2010/main" val="2376380929"/>
+        <p14:creationId xmlns:p14="http://schemas.microsoft.com/office/powerpoint/2010/main" val="3497227837"/>
       </p:ext>
     </p:extLst>
   </p:cSld>
@@ -6374,7 +6384,7 @@
           <p:cNvPr id="2" name="Titel 1">
             <a:extLst>
               <a:ext uri="{FF2B5EF4-FFF2-40B4-BE49-F238E27FC236}">
-                <a16:creationId xmlns:a16="http://schemas.microsoft.com/office/drawing/2014/main" id="{90FC6404-4EFD-4A53-99BE-341E4572A41C}"/>
+                <a16:creationId xmlns:a16="http://schemas.microsoft.com/office/drawing/2014/main" id="{72C7E04C-8006-4CD3-A66A-2357699CE722}"/>
               </a:ext>
             </a:extLst>
           </p:cNvPr>
@@ -6391,8 +6401,8 @@
           <a:lstStyle/>
           <a:p>
             <a:r>
-              <a:rPr lang="en-GB" dirty="0" err="1"/>
-              <a:t>Padstack</a:t>
+              <a:rPr lang="en-GB" dirty="0"/>
+              <a:t>Footprint</a:t>
             </a:r>
             <a:endParaRPr lang="LID4096" dirty="0"/>
           </a:p>
@@ -6403,7 +6413,7 @@
           <p:cNvPr id="3" name="Pladsholder til indhold 2">
             <a:extLst>
               <a:ext uri="{FF2B5EF4-FFF2-40B4-BE49-F238E27FC236}">
-                <a16:creationId xmlns:a16="http://schemas.microsoft.com/office/drawing/2014/main" id="{6BC3B2B1-B323-494F-9736-6F831D13D32D}"/>
+                <a16:creationId xmlns:a16="http://schemas.microsoft.com/office/drawing/2014/main" id="{06C059E5-6769-4D27-AEA8-795B5A29D754}"/>
               </a:ext>
             </a:extLst>
           </p:cNvPr>
@@ -6421,30 +6431,20 @@
           <a:p>
             <a:r>
               <a:rPr lang="en-GB" dirty="0"/>
-              <a:t>Shape</a:t>
-            </a:r>
-          </a:p>
-          <a:p>
-            <a:r>
-              <a:rPr lang="en-GB" dirty="0"/>
-              <a:t>Type</a:t>
-            </a:r>
-          </a:p>
-          <a:p>
-            <a:r>
-              <a:rPr lang="en-GB" dirty="0" err="1"/>
-              <a:t>Silkemask</a:t>
-            </a:r>
+              <a:t>Outline</a:t>
+            </a:r>
+          </a:p>
+          <a:p>
             <a:endParaRPr lang="LID4096" dirty="0"/>
           </a:p>
         </p:txBody>
       </p:sp>
       <p:pic>
         <p:nvPicPr>
-          <p:cNvPr id="9" name="Billede 8">
+          <p:cNvPr id="5" name="Billede 4">
             <a:extLst>
               <a:ext uri="{FF2B5EF4-FFF2-40B4-BE49-F238E27FC236}">
-                <a16:creationId xmlns:a16="http://schemas.microsoft.com/office/drawing/2014/main" id="{567512F3-1813-4425-8DFA-C5FCB2B897C1}"/>
+                <a16:creationId xmlns:a16="http://schemas.microsoft.com/office/drawing/2014/main" id="{EC1C6006-988F-4C21-B1C7-558854E89828}"/>
               </a:ext>
             </a:extLst>
           </p:cNvPr>
@@ -6461,8 +6461,8 @@
         </p:blipFill>
         <p:spPr>
           <a:xfrm>
-            <a:off x="6377484" y="3277056"/>
-            <a:ext cx="5497008" cy="3047088"/>
+            <a:off x="4988708" y="2275583"/>
+            <a:ext cx="6856051" cy="4265525"/>
           </a:xfrm>
           <a:prstGeom prst="rect">
             <a:avLst/>
@@ -6472,7 +6472,7 @@
     </p:spTree>
     <p:extLst>
       <p:ext uri="{BB962C8B-B14F-4D97-AF65-F5344CB8AC3E}">
-        <p14:creationId xmlns:p14="http://schemas.microsoft.com/office/powerpoint/2010/main" val="3867261761"/>
+        <p14:creationId xmlns:p14="http://schemas.microsoft.com/office/powerpoint/2010/main" val="2376380929"/>
       </p:ext>
     </p:extLst>
   </p:cSld>
@@ -6504,7 +6504,7 @@
           <p:cNvPr id="2" name="Titel 1">
             <a:extLst>
               <a:ext uri="{FF2B5EF4-FFF2-40B4-BE49-F238E27FC236}">
-                <a16:creationId xmlns:a16="http://schemas.microsoft.com/office/drawing/2014/main" id="{6901D416-7CA9-499D-A657-6E40A14CAFE8}"/>
+                <a16:creationId xmlns:a16="http://schemas.microsoft.com/office/drawing/2014/main" id="{90FC6404-4EFD-4A53-99BE-341E4572A41C}"/>
               </a:ext>
             </a:extLst>
           </p:cNvPr>
@@ -6521,16 +6521,8 @@
           <a:lstStyle/>
           <a:p>
             <a:r>
-              <a:rPr lang="en-GB" dirty="0"/>
-              <a:t>Import </a:t>
-            </a:r>
-            <a:r>
               <a:rPr lang="en-GB" dirty="0" err="1"/>
-              <a:t>fra</a:t>
-            </a:r>
-            <a:r>
-              <a:rPr lang="en-GB" dirty="0"/>
-              <a:t> schematic</a:t>
+              <a:t>Padstack</a:t>
             </a:r>
             <a:endParaRPr lang="LID4096" dirty="0"/>
           </a:p>
@@ -6541,7 +6533,7 @@
           <p:cNvPr id="3" name="Pladsholder til indhold 2">
             <a:extLst>
               <a:ext uri="{FF2B5EF4-FFF2-40B4-BE49-F238E27FC236}">
-                <a16:creationId xmlns:a16="http://schemas.microsoft.com/office/drawing/2014/main" id="{D82F42B5-0D54-4A72-93B6-D4C414B4994F}"/>
+                <a16:creationId xmlns:a16="http://schemas.microsoft.com/office/drawing/2014/main" id="{6BC3B2B1-B323-494F-9736-6F831D13D32D}"/>
               </a:ext>
             </a:extLst>
           </p:cNvPr>
@@ -6559,32 +6551,58 @@
           <a:p>
             <a:r>
               <a:rPr lang="en-GB" dirty="0"/>
-              <a:t>Placement</a:t>
+              <a:t>Shape</a:t>
             </a:r>
           </a:p>
           <a:p>
             <a:r>
               <a:rPr lang="en-GB" dirty="0"/>
-              <a:t>Check </a:t>
-            </a:r>
+              <a:t>Type</a:t>
+            </a:r>
+          </a:p>
+          <a:p>
             <a:r>
               <a:rPr lang="en-GB" dirty="0" err="1"/>
-              <a:t>af</a:t>
-            </a:r>
-            <a:r>
-              <a:rPr lang="en-GB" dirty="0"/>
-              <a:t> footprint</a:t>
-            </a:r>
-          </a:p>
-          <a:p>
+              <a:t>Silkemask</a:t>
+            </a:r>
             <a:endParaRPr lang="LID4096" dirty="0"/>
           </a:p>
         </p:txBody>
       </p:sp>
+      <p:pic>
+        <p:nvPicPr>
+          <p:cNvPr id="9" name="Billede 8">
+            <a:extLst>
+              <a:ext uri="{FF2B5EF4-FFF2-40B4-BE49-F238E27FC236}">
+                <a16:creationId xmlns:a16="http://schemas.microsoft.com/office/drawing/2014/main" id="{567512F3-1813-4425-8DFA-C5FCB2B897C1}"/>
+              </a:ext>
+            </a:extLst>
+          </p:cNvPr>
+          <p:cNvPicPr>
+            <a:picLocks noChangeAspect="1"/>
+          </p:cNvPicPr>
+          <p:nvPr/>
+        </p:nvPicPr>
+        <p:blipFill>
+          <a:blip r:embed="rId2"/>
+          <a:stretch>
+            <a:fillRect/>
+          </a:stretch>
+        </p:blipFill>
+        <p:spPr>
+          <a:xfrm>
+            <a:off x="6377484" y="3277056"/>
+            <a:ext cx="5497008" cy="3047088"/>
+          </a:xfrm>
+          <a:prstGeom prst="rect">
+            <a:avLst/>
+          </a:prstGeom>
+        </p:spPr>
+      </p:pic>
     </p:spTree>
     <p:extLst>
       <p:ext uri="{BB962C8B-B14F-4D97-AF65-F5344CB8AC3E}">
-        <p14:creationId xmlns:p14="http://schemas.microsoft.com/office/powerpoint/2010/main" val="3497227837"/>
+        <p14:creationId xmlns:p14="http://schemas.microsoft.com/office/powerpoint/2010/main" val="3867261761"/>
       </p:ext>
     </p:extLst>
   </p:cSld>

--- a/Kicad PCB.pptx
+++ b/Kicad PCB.pptx
@@ -7,14 +7,20 @@
   <p:sldIdLst>
     <p:sldId id="257" r:id="rId2"/>
     <p:sldId id="258" r:id="rId3"/>
-    <p:sldId id="261" r:id="rId4"/>
-    <p:sldId id="260" r:id="rId5"/>
-    <p:sldId id="259" r:id="rId6"/>
-    <p:sldId id="262" r:id="rId7"/>
-    <p:sldId id="263" r:id="rId8"/>
-    <p:sldId id="266" r:id="rId9"/>
-    <p:sldId id="264" r:id="rId10"/>
-    <p:sldId id="265" r:id="rId11"/>
+    <p:sldId id="267" r:id="rId4"/>
+    <p:sldId id="261" r:id="rId5"/>
+    <p:sldId id="268" r:id="rId6"/>
+    <p:sldId id="260" r:id="rId7"/>
+    <p:sldId id="272" r:id="rId8"/>
+    <p:sldId id="259" r:id="rId9"/>
+    <p:sldId id="262" r:id="rId10"/>
+    <p:sldId id="263" r:id="rId11"/>
+    <p:sldId id="266" r:id="rId12"/>
+    <p:sldId id="271" r:id="rId13"/>
+    <p:sldId id="264" r:id="rId14"/>
+    <p:sldId id="270" r:id="rId15"/>
+    <p:sldId id="265" r:id="rId16"/>
+    <p:sldId id="269" r:id="rId17"/>
   </p:sldIdLst>
   <p:sldSz cx="12192000" cy="6858000"/>
   <p:notesSz cx="6858000" cy="9144000"/>
@@ -291,7 +297,7 @@
           <a:p>
             <a:fld id="{48A87A34-81AB-432B-8DAE-1953F412C126}" type="datetimeFigureOut">
               <a:rPr lang="en-US" smtClean="0"/>
-              <a:t>2/20/2021</a:t>
+              <a:t>2/23/2021</a:t>
             </a:fld>
             <a:endParaRPr lang="en-US" dirty="0"/>
           </a:p>
@@ -559,7 +565,7 @@
             <a:fld id="{48A87A34-81AB-432B-8DAE-1953F412C126}" type="datetimeFigureOut">
               <a:rPr lang="en-US" smtClean="0"/>
               <a:pPr/>
-              <a:t>2/20/2021</a:t>
+              <a:t>2/23/2021</a:t>
             </a:fld>
             <a:endParaRPr lang="en-US" dirty="0"/>
           </a:p>
@@ -792,7 +798,7 @@
             <a:fld id="{48A87A34-81AB-432B-8DAE-1953F412C126}" type="datetimeFigureOut">
               <a:rPr lang="en-US" smtClean="0"/>
               <a:pPr/>
-              <a:t>2/20/2021</a:t>
+              <a:t>2/23/2021</a:t>
             </a:fld>
             <a:endParaRPr lang="en-US" dirty="0"/>
           </a:p>
@@ -1104,7 +1110,7 @@
             <a:fld id="{48A87A34-81AB-432B-8DAE-1953F412C126}" type="datetimeFigureOut">
               <a:rPr lang="en-US" smtClean="0"/>
               <a:pPr/>
-              <a:t>2/20/2021</a:t>
+              <a:t>2/23/2021</a:t>
             </a:fld>
             <a:endParaRPr lang="en-US" dirty="0"/>
           </a:p>
@@ -1579,7 +1585,7 @@
             <a:fld id="{48A87A34-81AB-432B-8DAE-1953F412C126}" type="datetimeFigureOut">
               <a:rPr lang="en-US" smtClean="0"/>
               <a:pPr/>
-              <a:t>2/20/2021</a:t>
+              <a:t>2/23/2021</a:t>
             </a:fld>
             <a:endParaRPr lang="en-US" dirty="0"/>
           </a:p>
@@ -2128,7 +2134,7 @@
             <a:fld id="{48A87A34-81AB-432B-8DAE-1953F412C126}" type="datetimeFigureOut">
               <a:rPr lang="en-US" smtClean="0"/>
               <a:pPr/>
-              <a:t>2/20/2021</a:t>
+              <a:t>2/23/2021</a:t>
             </a:fld>
             <a:endParaRPr lang="en-US" dirty="0"/>
           </a:p>
@@ -2904,7 +2910,7 @@
             <a:fld id="{48A87A34-81AB-432B-8DAE-1953F412C126}" type="datetimeFigureOut">
               <a:rPr lang="en-US" smtClean="0"/>
               <a:pPr/>
-              <a:t>2/20/2021</a:t>
+              <a:t>2/23/2021</a:t>
             </a:fld>
             <a:endParaRPr lang="en-US" dirty="0"/>
           </a:p>
@@ -3080,7 +3086,7 @@
           <a:p>
             <a:fld id="{48A87A34-81AB-432B-8DAE-1953F412C126}" type="datetimeFigureOut">
               <a:rPr lang="en-US" smtClean="0"/>
-              <a:t>2/20/2021</a:t>
+              <a:t>2/23/2021</a:t>
             </a:fld>
             <a:endParaRPr lang="en-US" dirty="0"/>
           </a:p>
@@ -3303,7 +3309,7 @@
           <a:p>
             <a:fld id="{48A87A34-81AB-432B-8DAE-1953F412C126}" type="datetimeFigureOut">
               <a:rPr lang="en-US" smtClean="0"/>
-              <a:t>2/20/2021</a:t>
+              <a:t>2/23/2021</a:t>
             </a:fld>
             <a:endParaRPr lang="en-US" dirty="0"/>
           </a:p>
@@ -3483,7 +3489,7 @@
           <a:p>
             <a:fld id="{48A87A34-81AB-432B-8DAE-1953F412C126}" type="datetimeFigureOut">
               <a:rPr lang="en-US" smtClean="0"/>
-              <a:t>2/20/2021</a:t>
+              <a:t>2/23/2021</a:t>
             </a:fld>
             <a:endParaRPr lang="en-US" dirty="0"/>
           </a:p>
@@ -3772,7 +3778,7 @@
           <a:p>
             <a:fld id="{48A87A34-81AB-432B-8DAE-1953F412C126}" type="datetimeFigureOut">
               <a:rPr lang="en-US" smtClean="0"/>
-              <a:t>2/20/2021</a:t>
+              <a:t>2/23/2021</a:t>
             </a:fld>
             <a:endParaRPr lang="en-US" dirty="0"/>
           </a:p>
@@ -4014,7 +4020,7 @@
           <a:p>
             <a:fld id="{48A87A34-81AB-432B-8DAE-1953F412C126}" type="datetimeFigureOut">
               <a:rPr lang="en-US" smtClean="0"/>
-              <a:t>2/20/2021</a:t>
+              <a:t>2/23/2021</a:t>
             </a:fld>
             <a:endParaRPr lang="en-US" dirty="0"/>
           </a:p>
@@ -4393,7 +4399,7 @@
           <a:p>
             <a:fld id="{48A87A34-81AB-432B-8DAE-1953F412C126}" type="datetimeFigureOut">
               <a:rPr lang="en-US" smtClean="0"/>
-              <a:t>2/20/2021</a:t>
+              <a:t>2/23/2021</a:t>
             </a:fld>
             <a:endParaRPr lang="en-US" dirty="0"/>
           </a:p>
@@ -4511,7 +4517,7 @@
           <a:p>
             <a:fld id="{48A87A34-81AB-432B-8DAE-1953F412C126}" type="datetimeFigureOut">
               <a:rPr lang="en-US" smtClean="0"/>
-              <a:t>2/20/2021</a:t>
+              <a:t>2/23/2021</a:t>
             </a:fld>
             <a:endParaRPr lang="en-US" dirty="0"/>
           </a:p>
@@ -4606,7 +4612,7 @@
           <a:p>
             <a:fld id="{48A87A34-81AB-432B-8DAE-1953F412C126}" type="datetimeFigureOut">
               <a:rPr lang="en-US" smtClean="0"/>
-              <a:t>2/20/2021</a:t>
+              <a:t>2/23/2021</a:t>
             </a:fld>
             <a:endParaRPr lang="en-US" dirty="0"/>
           </a:p>
@@ -4855,7 +4861,7 @@
           <a:p>
             <a:fld id="{48A87A34-81AB-432B-8DAE-1953F412C126}" type="datetimeFigureOut">
               <a:rPr lang="en-US" smtClean="0"/>
-              <a:t>2/20/2021</a:t>
+              <a:t>2/23/2021</a:t>
             </a:fld>
             <a:endParaRPr lang="en-US" dirty="0"/>
           </a:p>
@@ -5113,7 +5119,7 @@
             <a:fld id="{48A87A34-81AB-432B-8DAE-1953F412C126}" type="datetimeFigureOut">
               <a:rPr lang="en-US" smtClean="0"/>
               <a:pPr/>
-              <a:t>2/20/2021</a:t>
+              <a:t>2/23/2021</a:t>
             </a:fld>
             <a:endParaRPr lang="en-US" dirty="0"/>
           </a:p>
@@ -5357,7 +5363,7 @@
             <a:fld id="{48A87A34-81AB-432B-8DAE-1953F412C126}" type="datetimeFigureOut">
               <a:rPr lang="en-US" smtClean="0"/>
               <a:pPr/>
-              <a:t>2/20/2021</a:t>
+              <a:t>2/23/2021</a:t>
             </a:fld>
             <a:endParaRPr lang="en-US" dirty="0"/>
           </a:p>
@@ -5975,6 +5981,924 @@
           <p:cNvPr id="2" name="Titel 1">
             <a:extLst>
               <a:ext uri="{FF2B5EF4-FFF2-40B4-BE49-F238E27FC236}">
+                <a16:creationId xmlns:a16="http://schemas.microsoft.com/office/drawing/2014/main" id="{0E0F7945-6A08-4261-964E-38FF0DEA0F3C}"/>
+              </a:ext>
+            </a:extLst>
+          </p:cNvPr>
+          <p:cNvSpPr>
+            <a:spLocks noGrp="1"/>
+          </p:cNvSpPr>
+          <p:nvPr>
+            <p:ph type="title"/>
+          </p:nvPr>
+        </p:nvSpPr>
+        <p:spPr/>
+        <p:txBody>
+          <a:bodyPr/>
+          <a:lstStyle/>
+          <a:p>
+            <a:r>
+              <a:rPr lang="en-GB" dirty="0"/>
+              <a:t>Fill</a:t>
+            </a:r>
+            <a:endParaRPr lang="LID4096" dirty="0"/>
+          </a:p>
+        </p:txBody>
+      </p:sp>
+      <p:sp>
+        <p:nvSpPr>
+          <p:cNvPr id="3" name="Pladsholder til indhold 2">
+            <a:extLst>
+              <a:ext uri="{FF2B5EF4-FFF2-40B4-BE49-F238E27FC236}">
+                <a16:creationId xmlns:a16="http://schemas.microsoft.com/office/drawing/2014/main" id="{B9B58C02-2A93-4E1A-9135-13A3C16BEF7B}"/>
+              </a:ext>
+            </a:extLst>
+          </p:cNvPr>
+          <p:cNvSpPr>
+            <a:spLocks noGrp="1"/>
+          </p:cNvSpPr>
+          <p:nvPr>
+            <p:ph idx="1"/>
+          </p:nvPr>
+        </p:nvSpPr>
+        <p:spPr/>
+        <p:txBody>
+          <a:bodyPr/>
+          <a:lstStyle/>
+          <a:p>
+            <a:r>
+              <a:rPr lang="en-GB" dirty="0"/>
+              <a:t>X Layer board</a:t>
+            </a:r>
+            <a:endParaRPr lang="LID4096" dirty="0"/>
+          </a:p>
+        </p:txBody>
+      </p:sp>
+    </p:spTree>
+    <p:extLst>
+      <p:ext uri="{BB962C8B-B14F-4D97-AF65-F5344CB8AC3E}">
+        <p14:creationId xmlns:p14="http://schemas.microsoft.com/office/powerpoint/2010/main" val="1264967355"/>
+      </p:ext>
+    </p:extLst>
+  </p:cSld>
+  <p:clrMapOvr>
+    <a:masterClrMapping/>
+  </p:clrMapOvr>
+</p:sld>
+</file>
+
+<file path=ppt/slides/slide11.xml><?xml version="1.0" encoding="utf-8"?>
+<p:sld xmlns:a="http://schemas.openxmlformats.org/drawingml/2006/main" xmlns:r="http://schemas.openxmlformats.org/officeDocument/2006/relationships" xmlns:p="http://schemas.openxmlformats.org/presentationml/2006/main">
+  <p:cSld>
+    <p:spTree>
+      <p:nvGrpSpPr>
+        <p:cNvPr id="1" name=""/>
+        <p:cNvGrpSpPr/>
+        <p:nvPr/>
+      </p:nvGrpSpPr>
+      <p:grpSpPr>
+        <a:xfrm>
+          <a:off x="0" y="0"/>
+          <a:ext cx="0" cy="0"/>
+          <a:chOff x="0" y="0"/>
+          <a:chExt cx="0" cy="0"/>
+        </a:xfrm>
+      </p:grpSpPr>
+      <p:sp>
+        <p:nvSpPr>
+          <p:cNvPr id="2" name="Titel 1">
+            <a:extLst>
+              <a:ext uri="{FF2B5EF4-FFF2-40B4-BE49-F238E27FC236}">
+                <a16:creationId xmlns:a16="http://schemas.microsoft.com/office/drawing/2014/main" id="{6D1A82BD-D066-4256-8A94-581FFA29F60C}"/>
+              </a:ext>
+            </a:extLst>
+          </p:cNvPr>
+          <p:cNvSpPr>
+            <a:spLocks noGrp="1"/>
+          </p:cNvSpPr>
+          <p:nvPr>
+            <p:ph type="title"/>
+          </p:nvPr>
+        </p:nvSpPr>
+        <p:spPr/>
+        <p:txBody>
+          <a:bodyPr/>
+          <a:lstStyle/>
+          <a:p>
+            <a:r>
+              <a:rPr lang="en-GB" dirty="0"/>
+              <a:t>RF design</a:t>
+            </a:r>
+            <a:endParaRPr lang="LID4096" dirty="0"/>
+          </a:p>
+        </p:txBody>
+      </p:sp>
+      <p:sp>
+        <p:nvSpPr>
+          <p:cNvPr id="3" name="Pladsholder til indhold 2">
+            <a:extLst>
+              <a:ext uri="{FF2B5EF4-FFF2-40B4-BE49-F238E27FC236}">
+                <a16:creationId xmlns:a16="http://schemas.microsoft.com/office/drawing/2014/main" id="{21851D85-55A3-4D57-834D-DC561542E684}"/>
+              </a:ext>
+            </a:extLst>
+          </p:cNvPr>
+          <p:cNvSpPr>
+            <a:spLocks noGrp="1"/>
+          </p:cNvSpPr>
+          <p:nvPr>
+            <p:ph idx="1"/>
+          </p:nvPr>
+        </p:nvSpPr>
+        <p:spPr/>
+        <p:txBody>
+          <a:bodyPr/>
+          <a:lstStyle/>
+          <a:p>
+            <a:pPr marL="0" indent="0">
+              <a:buNone/>
+            </a:pPr>
+            <a:r>
+              <a:rPr lang="en-GB" sz="2400" b="1" dirty="0"/>
+              <a:t>5 </a:t>
+            </a:r>
+            <a:r>
+              <a:rPr lang="en-GB" sz="2400" b="1" dirty="0" err="1"/>
+              <a:t>Regler</a:t>
+            </a:r>
+            <a:r>
+              <a:rPr lang="en-GB" sz="2400" b="1" dirty="0"/>
+              <a:t> for </a:t>
+            </a:r>
+            <a:r>
+              <a:rPr lang="en-GB" sz="2400" b="1" dirty="0" err="1"/>
+              <a:t>nem</a:t>
+            </a:r>
+            <a:r>
+              <a:rPr lang="en-GB" sz="2400" b="1" dirty="0"/>
+              <a:t> RF design</a:t>
+            </a:r>
+          </a:p>
+          <a:p>
+            <a:r>
+              <a:rPr lang="en-GB" dirty="0" err="1"/>
+              <a:t>Brug</a:t>
+            </a:r>
+            <a:r>
+              <a:rPr lang="en-GB" dirty="0"/>
+              <a:t> 4 lags print</a:t>
+            </a:r>
+          </a:p>
+          <a:p>
+            <a:r>
+              <a:rPr lang="en-GB" dirty="0" err="1"/>
+              <a:t>Integreret</a:t>
+            </a:r>
+            <a:r>
+              <a:rPr lang="en-GB" dirty="0"/>
+              <a:t>/</a:t>
+            </a:r>
+            <a:r>
+              <a:rPr lang="en-GB" dirty="0" err="1"/>
+              <a:t>små</a:t>
+            </a:r>
+            <a:r>
+              <a:rPr lang="en-GB" dirty="0"/>
+              <a:t> </a:t>
+            </a:r>
+            <a:r>
+              <a:rPr lang="en-GB" dirty="0" err="1"/>
+              <a:t>komponenter</a:t>
+            </a:r>
+            <a:endParaRPr lang="en-GB" dirty="0"/>
+          </a:p>
+          <a:p>
+            <a:r>
+              <a:rPr lang="en-GB" dirty="0"/>
+              <a:t>50Ω </a:t>
+            </a:r>
+            <a:r>
+              <a:rPr lang="en-GB" dirty="0" err="1"/>
+              <a:t>overalt</a:t>
+            </a:r>
+            <a:endParaRPr lang="en-GB" dirty="0"/>
+          </a:p>
+          <a:p>
+            <a:r>
+              <a:rPr lang="en-GB" dirty="0" err="1"/>
+              <a:t>Følg</a:t>
+            </a:r>
+            <a:r>
+              <a:rPr lang="en-GB" dirty="0"/>
+              <a:t> </a:t>
+            </a:r>
+            <a:r>
+              <a:rPr lang="en-GB" dirty="0" err="1"/>
+              <a:t>fabrikantens</a:t>
+            </a:r>
+            <a:r>
+              <a:rPr lang="en-GB" dirty="0"/>
+              <a:t> </a:t>
+            </a:r>
+            <a:r>
+              <a:rPr lang="en-GB" dirty="0" err="1"/>
+              <a:t>anbefallinger</a:t>
+            </a:r>
+            <a:endParaRPr lang="en-GB" dirty="0"/>
+          </a:p>
+          <a:p>
+            <a:r>
+              <a:rPr lang="en-GB" dirty="0"/>
+              <a:t>Route RF </a:t>
+            </a:r>
+            <a:r>
+              <a:rPr lang="en-GB" dirty="0" err="1"/>
+              <a:t>først</a:t>
+            </a:r>
+            <a:endParaRPr lang="LID4096" dirty="0"/>
+          </a:p>
+        </p:txBody>
+      </p:sp>
+      <p:pic>
+        <p:nvPicPr>
+          <p:cNvPr id="1026" name="Picture 2" descr="Billedresultat for cc1110">
+            <a:extLst>
+              <a:ext uri="{FF2B5EF4-FFF2-40B4-BE49-F238E27FC236}">
+                <a16:creationId xmlns:a16="http://schemas.microsoft.com/office/drawing/2014/main" id="{E4F88379-D422-4729-A55F-12B83DDA4BC6}"/>
+              </a:ext>
+            </a:extLst>
+          </p:cNvPr>
+          <p:cNvPicPr>
+            <a:picLocks noChangeAspect="1" noChangeArrowheads="1"/>
+          </p:cNvPicPr>
+          <p:nvPr/>
+        </p:nvPicPr>
+        <p:blipFill>
+          <a:blip r:embed="rId2">
+            <a:extLst>
+              <a:ext uri="{28A0092B-C50C-407E-A947-70E740481C1C}">
+                <a14:useLocalDpi xmlns:a14="http://schemas.microsoft.com/office/drawing/2010/main" val="0"/>
+              </a:ext>
+            </a:extLst>
+          </a:blip>
+          <a:srcRect/>
+          <a:stretch>
+            <a:fillRect/>
+          </a:stretch>
+        </p:blipFill>
+        <p:spPr bwMode="auto">
+          <a:xfrm>
+            <a:off x="6805913" y="3018285"/>
+            <a:ext cx="4876800" cy="3200400"/>
+          </a:xfrm>
+          <a:prstGeom prst="rect">
+            <a:avLst/>
+          </a:prstGeom>
+          <a:noFill/>
+          <a:extLst>
+            <a:ext uri="{909E8E84-426E-40DD-AFC4-6F175D3DCCD1}">
+              <a14:hiddenFill xmlns:a14="http://schemas.microsoft.com/office/drawing/2010/main">
+                <a:solidFill>
+                  <a:srgbClr val="FFFFFF"/>
+                </a:solidFill>
+              </a14:hiddenFill>
+            </a:ext>
+          </a:extLst>
+        </p:spPr>
+      </p:pic>
+    </p:spTree>
+    <p:extLst>
+      <p:ext uri="{BB962C8B-B14F-4D97-AF65-F5344CB8AC3E}">
+        <p14:creationId xmlns:p14="http://schemas.microsoft.com/office/powerpoint/2010/main" val="2811634054"/>
+      </p:ext>
+    </p:extLst>
+  </p:cSld>
+  <p:clrMapOvr>
+    <a:masterClrMapping/>
+  </p:clrMapOvr>
+</p:sld>
+</file>
+
+<file path=ppt/slides/slide12.xml><?xml version="1.0" encoding="utf-8"?>
+<p:sld xmlns:a="http://schemas.openxmlformats.org/drawingml/2006/main" xmlns:r="http://schemas.openxmlformats.org/officeDocument/2006/relationships" xmlns:p="http://schemas.openxmlformats.org/presentationml/2006/main">
+  <p:cSld>
+    <p:spTree>
+      <p:nvGrpSpPr>
+        <p:cNvPr id="1" name=""/>
+        <p:cNvGrpSpPr/>
+        <p:nvPr/>
+      </p:nvGrpSpPr>
+      <p:grpSpPr>
+        <a:xfrm>
+          <a:off x="0" y="0"/>
+          <a:ext cx="0" cy="0"/>
+          <a:chOff x="0" y="0"/>
+          <a:chExt cx="0" cy="0"/>
+        </a:xfrm>
+      </p:grpSpPr>
+      <p:pic>
+        <p:nvPicPr>
+          <p:cNvPr id="4" name="Onlinemedier 3" title="RF">
+            <a:hlinkClick r:id="" action="ppaction://media"/>
+            <a:extLst>
+              <a:ext uri="{FF2B5EF4-FFF2-40B4-BE49-F238E27FC236}">
+                <a16:creationId xmlns:a16="http://schemas.microsoft.com/office/drawing/2014/main" id="{A626E495-3A2B-4B25-AE81-5F0102A356FD}"/>
+              </a:ext>
+            </a:extLst>
+          </p:cNvPr>
+          <p:cNvPicPr>
+            <a:picLocks noRot="1" noChangeAspect="1"/>
+          </p:cNvPicPr>
+          <p:nvPr>
+            <a:videoFile r:link="rId1"/>
+          </p:nvPr>
+        </p:nvPicPr>
+        <p:blipFill>
+          <a:blip r:embed="rId3"/>
+          <a:stretch>
+            <a:fillRect/>
+          </a:stretch>
+        </p:blipFill>
+        <p:spPr>
+          <a:xfrm>
+            <a:off x="0" y="0"/>
+            <a:ext cx="12192000" cy="6858000"/>
+          </a:xfrm>
+          <a:prstGeom prst="rect">
+            <a:avLst/>
+          </a:prstGeom>
+        </p:spPr>
+      </p:pic>
+    </p:spTree>
+    <p:extLst>
+      <p:ext uri="{BB962C8B-B14F-4D97-AF65-F5344CB8AC3E}">
+        <p14:creationId xmlns:p14="http://schemas.microsoft.com/office/powerpoint/2010/main" val="2246524090"/>
+      </p:ext>
+    </p:extLst>
+  </p:cSld>
+  <p:clrMapOvr>
+    <a:masterClrMapping/>
+  </p:clrMapOvr>
+  <p:timing>
+    <p:tnLst>
+      <p:par>
+        <p:cTn id="1" dur="indefinite" restart="never" nodeType="tmRoot">
+          <p:childTnLst>
+            <p:seq concurrent="1" nextAc="seek">
+              <p:cTn id="2" dur="indefinite" nodeType="mainSeq">
+                <p:childTnLst>
+                  <p:par>
+                    <p:cTn id="3" fill="hold">
+                      <p:stCondLst>
+                        <p:cond delay="indefinite"/>
+                      </p:stCondLst>
+                      <p:childTnLst>
+                        <p:par>
+                          <p:cTn id="4" fill="hold">
+                            <p:stCondLst>
+                              <p:cond delay="0"/>
+                            </p:stCondLst>
+                            <p:childTnLst>
+                              <p:par>
+                                <p:cTn id="5" presetID="1" presetClass="mediacall" presetSubtype="0" fill="hold" nodeType="clickEffect">
+                                  <p:stCondLst>
+                                    <p:cond delay="0"/>
+                                  </p:stCondLst>
+                                  <p:childTnLst>
+                                    <p:cmd type="call" cmd="playFrom(0.0)">
+                                      <p:cBhvr>
+                                        <p:cTn id="6" dur="1" fill="hold"/>
+                                        <p:tgtEl>
+                                          <p:spTgt spid="4"/>
+                                        </p:tgtEl>
+                                      </p:cBhvr>
+                                    </p:cmd>
+                                  </p:childTnLst>
+                                </p:cTn>
+                              </p:par>
+                            </p:childTnLst>
+                          </p:cTn>
+                        </p:par>
+                      </p:childTnLst>
+                    </p:cTn>
+                  </p:par>
+                </p:childTnLst>
+              </p:cTn>
+              <p:prevCondLst>
+                <p:cond evt="onPrev" delay="0">
+                  <p:tgtEl>
+                    <p:sldTgt/>
+                  </p:tgtEl>
+                </p:cond>
+              </p:prevCondLst>
+              <p:nextCondLst>
+                <p:cond evt="onNext" delay="0">
+                  <p:tgtEl>
+                    <p:sldTgt/>
+                  </p:tgtEl>
+                </p:cond>
+              </p:nextCondLst>
+            </p:seq>
+            <p:video>
+              <p:cMediaNode vol="80000">
+                <p:cTn id="7" fill="hold" display="0">
+                  <p:stCondLst>
+                    <p:cond delay="indefinite"/>
+                  </p:stCondLst>
+                </p:cTn>
+                <p:tgtEl>
+                  <p:spTgt spid="4"/>
+                </p:tgtEl>
+              </p:cMediaNode>
+            </p:video>
+            <p:seq concurrent="1" nextAc="seek">
+              <p:cTn id="8" restart="whenNotActive" fill="hold" evtFilter="cancelBubble" nodeType="interactiveSeq">
+                <p:stCondLst>
+                  <p:cond evt="onClick" delay="0">
+                    <p:tgtEl>
+                      <p:spTgt spid="4"/>
+                    </p:tgtEl>
+                  </p:cond>
+                </p:stCondLst>
+                <p:endSync evt="end" delay="0">
+                  <p:rtn val="all"/>
+                </p:endSync>
+                <p:childTnLst>
+                  <p:par>
+                    <p:cTn id="9" fill="hold">
+                      <p:stCondLst>
+                        <p:cond delay="0"/>
+                      </p:stCondLst>
+                      <p:childTnLst>
+                        <p:par>
+                          <p:cTn id="10" fill="hold">
+                            <p:stCondLst>
+                              <p:cond delay="0"/>
+                            </p:stCondLst>
+                            <p:childTnLst>
+                              <p:par>
+                                <p:cTn id="11" presetID="2" presetClass="mediacall" presetSubtype="0" fill="hold" nodeType="clickEffect">
+                                  <p:stCondLst>
+                                    <p:cond delay="0"/>
+                                  </p:stCondLst>
+                                  <p:childTnLst>
+                                    <p:cmd type="call" cmd="togglePause">
+                                      <p:cBhvr>
+                                        <p:cTn id="12" dur="1" fill="hold"/>
+                                        <p:tgtEl>
+                                          <p:spTgt spid="4"/>
+                                        </p:tgtEl>
+                                      </p:cBhvr>
+                                    </p:cmd>
+                                  </p:childTnLst>
+                                </p:cTn>
+                              </p:par>
+                            </p:childTnLst>
+                          </p:cTn>
+                        </p:par>
+                      </p:childTnLst>
+                    </p:cTn>
+                  </p:par>
+                </p:childTnLst>
+              </p:cTn>
+              <p:nextCondLst>
+                <p:cond evt="onClick" delay="0">
+                  <p:tgtEl>
+                    <p:spTgt spid="4"/>
+                  </p:tgtEl>
+                </p:cond>
+              </p:nextCondLst>
+            </p:seq>
+          </p:childTnLst>
+        </p:cTn>
+      </p:par>
+    </p:tnLst>
+  </p:timing>
+</p:sld>
+</file>
+
+<file path=ppt/slides/slide13.xml><?xml version="1.0" encoding="utf-8"?>
+<p:sld xmlns:a="http://schemas.openxmlformats.org/drawingml/2006/main" xmlns:r="http://schemas.openxmlformats.org/officeDocument/2006/relationships" xmlns:p="http://schemas.openxmlformats.org/presentationml/2006/main">
+  <p:cSld>
+    <p:spTree>
+      <p:nvGrpSpPr>
+        <p:cNvPr id="1" name=""/>
+        <p:cNvGrpSpPr/>
+        <p:nvPr/>
+      </p:nvGrpSpPr>
+      <p:grpSpPr>
+        <a:xfrm>
+          <a:off x="0" y="0"/>
+          <a:ext cx="0" cy="0"/>
+          <a:chOff x="0" y="0"/>
+          <a:chExt cx="0" cy="0"/>
+        </a:xfrm>
+      </p:grpSpPr>
+      <p:sp>
+        <p:nvSpPr>
+          <p:cNvPr id="2" name="Titel 1">
+            <a:extLst>
+              <a:ext uri="{FF2B5EF4-FFF2-40B4-BE49-F238E27FC236}">
+                <a16:creationId xmlns:a16="http://schemas.microsoft.com/office/drawing/2014/main" id="{DF9F17B7-640F-4E1C-834C-F2BF97B1A0AD}"/>
+              </a:ext>
+            </a:extLst>
+          </p:cNvPr>
+          <p:cNvSpPr>
+            <a:spLocks noGrp="1"/>
+          </p:cNvSpPr>
+          <p:nvPr>
+            <p:ph type="title"/>
+          </p:nvPr>
+        </p:nvSpPr>
+        <p:spPr/>
+        <p:txBody>
+          <a:bodyPr/>
+          <a:lstStyle/>
+          <a:p>
+            <a:r>
+              <a:rPr lang="en-GB" dirty="0" err="1"/>
+              <a:t>Kontrolleret</a:t>
+            </a:r>
+            <a:r>
+              <a:rPr lang="en-GB" dirty="0"/>
+              <a:t> </a:t>
+            </a:r>
+            <a:r>
+              <a:rPr lang="en-GB" dirty="0" err="1"/>
+              <a:t>impedans</a:t>
+            </a:r>
+            <a:endParaRPr lang="LID4096" dirty="0"/>
+          </a:p>
+        </p:txBody>
+      </p:sp>
+      <p:sp>
+        <p:nvSpPr>
+          <p:cNvPr id="3" name="Pladsholder til indhold 2">
+            <a:extLst>
+              <a:ext uri="{FF2B5EF4-FFF2-40B4-BE49-F238E27FC236}">
+                <a16:creationId xmlns:a16="http://schemas.microsoft.com/office/drawing/2014/main" id="{76B69CE6-EC16-44F5-8456-45627545E557}"/>
+              </a:ext>
+            </a:extLst>
+          </p:cNvPr>
+          <p:cNvSpPr>
+            <a:spLocks noGrp="1"/>
+          </p:cNvSpPr>
+          <p:nvPr>
+            <p:ph idx="1"/>
+          </p:nvPr>
+        </p:nvSpPr>
+        <p:spPr/>
+        <p:txBody>
+          <a:bodyPr/>
+          <a:lstStyle/>
+          <a:p>
+            <a:r>
+              <a:rPr lang="en-GB" dirty="0" err="1"/>
+              <a:t>Kritisk</a:t>
+            </a:r>
+            <a:r>
+              <a:rPr lang="en-GB" dirty="0"/>
+              <a:t> </a:t>
+            </a:r>
+            <a:r>
+              <a:rPr lang="en-GB" dirty="0" err="1"/>
+              <a:t>længde</a:t>
+            </a:r>
+            <a:endParaRPr lang="en-GB" dirty="0"/>
+          </a:p>
+          <a:p>
+            <a:r>
+              <a:rPr lang="en-GB" dirty="0"/>
+              <a:t>Microstrip (</a:t>
+            </a:r>
+            <a:r>
+              <a:rPr lang="en-GB" dirty="0" err="1"/>
+              <a:t>antenner</a:t>
+            </a:r>
+            <a:r>
+              <a:rPr lang="en-GB" dirty="0"/>
+              <a:t> </a:t>
+            </a:r>
+            <a:r>
+              <a:rPr lang="en-GB" dirty="0" err="1"/>
+              <a:t>m.m.</a:t>
+            </a:r>
+            <a:r>
+              <a:rPr lang="en-GB" dirty="0"/>
+              <a:t>) </a:t>
+            </a:r>
+            <a:r>
+              <a:rPr lang="en-GB" dirty="0">
+                <a:hlinkClick r:id="rId2"/>
+              </a:rPr>
+              <a:t>https://cart.jlcpcb.com/impedanceCalculation</a:t>
+            </a:r>
+            <a:endParaRPr lang="en-GB" dirty="0"/>
+          </a:p>
+          <a:p>
+            <a:r>
+              <a:rPr lang="en-GB" dirty="0"/>
+              <a:t>Pad-to-Trace</a:t>
+            </a:r>
+          </a:p>
+          <a:p>
+            <a:r>
+              <a:rPr lang="en-GB" dirty="0" err="1"/>
+              <a:t>Clearende</a:t>
+            </a:r>
+            <a:endParaRPr lang="en-GB" dirty="0"/>
+          </a:p>
+          <a:p>
+            <a:r>
+              <a:rPr lang="en-GB" dirty="0" err="1"/>
+              <a:t>Balanceret</a:t>
+            </a:r>
+            <a:r>
+              <a:rPr lang="en-GB" dirty="0"/>
+              <a:t> par (</a:t>
+            </a:r>
+            <a:r>
+              <a:rPr lang="en-GB" dirty="0" err="1"/>
+              <a:t>usb</a:t>
+            </a:r>
+            <a:r>
+              <a:rPr lang="en-GB" dirty="0"/>
+              <a:t> </a:t>
+            </a:r>
+            <a:r>
+              <a:rPr lang="en-GB" dirty="0" err="1"/>
+              <a:t>m.m.</a:t>
+            </a:r>
+            <a:r>
+              <a:rPr lang="en-GB" dirty="0"/>
+              <a:t>)</a:t>
+            </a:r>
+            <a:endParaRPr lang="LID4096" dirty="0"/>
+          </a:p>
+        </p:txBody>
+      </p:sp>
+      <p:pic>
+        <p:nvPicPr>
+          <p:cNvPr id="5" name="Billede 4">
+            <a:extLst>
+              <a:ext uri="{FF2B5EF4-FFF2-40B4-BE49-F238E27FC236}">
+                <a16:creationId xmlns:a16="http://schemas.microsoft.com/office/drawing/2014/main" id="{FB8E358A-D1F9-497A-8079-A9CF53C3CA93}"/>
+              </a:ext>
+            </a:extLst>
+          </p:cNvPr>
+          <p:cNvPicPr>
+            <a:picLocks noChangeAspect="1"/>
+          </p:cNvPicPr>
+          <p:nvPr/>
+        </p:nvPicPr>
+        <p:blipFill>
+          <a:blip r:embed="rId3"/>
+          <a:stretch>
+            <a:fillRect/>
+          </a:stretch>
+        </p:blipFill>
+        <p:spPr>
+          <a:xfrm>
+            <a:off x="6095999" y="3429000"/>
+            <a:ext cx="5934985" cy="3429000"/>
+          </a:xfrm>
+          <a:prstGeom prst="rect">
+            <a:avLst/>
+          </a:prstGeom>
+        </p:spPr>
+      </p:pic>
+    </p:spTree>
+    <p:extLst>
+      <p:ext uri="{BB962C8B-B14F-4D97-AF65-F5344CB8AC3E}">
+        <p14:creationId xmlns:p14="http://schemas.microsoft.com/office/powerpoint/2010/main" val="1320795711"/>
+      </p:ext>
+    </p:extLst>
+  </p:cSld>
+  <p:clrMapOvr>
+    <a:masterClrMapping/>
+  </p:clrMapOvr>
+</p:sld>
+</file>
+
+<file path=ppt/slides/slide14.xml><?xml version="1.0" encoding="utf-8"?>
+<p:sld xmlns:a="http://schemas.openxmlformats.org/drawingml/2006/main" xmlns:r="http://schemas.openxmlformats.org/officeDocument/2006/relationships" xmlns:p="http://schemas.openxmlformats.org/presentationml/2006/main">
+  <p:cSld>
+    <p:spTree>
+      <p:nvGrpSpPr>
+        <p:cNvPr id="1" name=""/>
+        <p:cNvGrpSpPr/>
+        <p:nvPr/>
+      </p:nvGrpSpPr>
+      <p:grpSpPr>
+        <a:xfrm>
+          <a:off x="0" y="0"/>
+          <a:ext cx="0" cy="0"/>
+          <a:chOff x="0" y="0"/>
+          <a:chExt cx="0" cy="0"/>
+        </a:xfrm>
+      </p:grpSpPr>
+      <p:pic>
+        <p:nvPicPr>
+          <p:cNvPr id="4" name="Onlinemedier 3" title="Kontrolleret imperdans incl billeder">
+            <a:hlinkClick r:id="" action="ppaction://media"/>
+            <a:extLst>
+              <a:ext uri="{FF2B5EF4-FFF2-40B4-BE49-F238E27FC236}">
+                <a16:creationId xmlns:a16="http://schemas.microsoft.com/office/drawing/2014/main" id="{8B82AF58-0801-42E4-826D-0773D013C0CB}"/>
+              </a:ext>
+            </a:extLst>
+          </p:cNvPr>
+          <p:cNvPicPr>
+            <a:picLocks noRot="1" noChangeAspect="1"/>
+          </p:cNvPicPr>
+          <p:nvPr>
+            <a:videoFile r:link="rId1"/>
+          </p:nvPr>
+        </p:nvPicPr>
+        <p:blipFill>
+          <a:blip r:embed="rId3"/>
+          <a:stretch>
+            <a:fillRect/>
+          </a:stretch>
+        </p:blipFill>
+        <p:spPr>
+          <a:xfrm>
+            <a:off x="0" y="0"/>
+            <a:ext cx="12138053" cy="6858000"/>
+          </a:xfrm>
+          <a:prstGeom prst="rect">
+            <a:avLst/>
+          </a:prstGeom>
+        </p:spPr>
+      </p:pic>
+    </p:spTree>
+    <p:extLst>
+      <p:ext uri="{BB962C8B-B14F-4D97-AF65-F5344CB8AC3E}">
+        <p14:creationId xmlns:p14="http://schemas.microsoft.com/office/powerpoint/2010/main" val="4012305825"/>
+      </p:ext>
+    </p:extLst>
+  </p:cSld>
+  <p:clrMapOvr>
+    <a:masterClrMapping/>
+  </p:clrMapOvr>
+  <p:timing>
+    <p:tnLst>
+      <p:par>
+        <p:cTn id="1" dur="indefinite" restart="never" nodeType="tmRoot">
+          <p:childTnLst>
+            <p:seq concurrent="1" nextAc="seek">
+              <p:cTn id="2" dur="indefinite" nodeType="mainSeq">
+                <p:childTnLst>
+                  <p:par>
+                    <p:cTn id="3" fill="hold">
+                      <p:stCondLst>
+                        <p:cond delay="indefinite"/>
+                      </p:stCondLst>
+                      <p:childTnLst>
+                        <p:par>
+                          <p:cTn id="4" fill="hold">
+                            <p:stCondLst>
+                              <p:cond delay="0"/>
+                            </p:stCondLst>
+                            <p:childTnLst>
+                              <p:par>
+                                <p:cTn id="5" presetID="1" presetClass="mediacall" presetSubtype="0" fill="hold" nodeType="clickEffect">
+                                  <p:stCondLst>
+                                    <p:cond delay="0"/>
+                                  </p:stCondLst>
+                                  <p:childTnLst>
+                                    <p:cmd type="call" cmd="playFrom(0.0)">
+                                      <p:cBhvr>
+                                        <p:cTn id="6" dur="1" fill="hold"/>
+                                        <p:tgtEl>
+                                          <p:spTgt spid="4"/>
+                                        </p:tgtEl>
+                                      </p:cBhvr>
+                                    </p:cmd>
+                                  </p:childTnLst>
+                                </p:cTn>
+                              </p:par>
+                            </p:childTnLst>
+                          </p:cTn>
+                        </p:par>
+                      </p:childTnLst>
+                    </p:cTn>
+                  </p:par>
+                </p:childTnLst>
+              </p:cTn>
+              <p:prevCondLst>
+                <p:cond evt="onPrev" delay="0">
+                  <p:tgtEl>
+                    <p:sldTgt/>
+                  </p:tgtEl>
+                </p:cond>
+              </p:prevCondLst>
+              <p:nextCondLst>
+                <p:cond evt="onNext" delay="0">
+                  <p:tgtEl>
+                    <p:sldTgt/>
+                  </p:tgtEl>
+                </p:cond>
+              </p:nextCondLst>
+            </p:seq>
+            <p:video>
+              <p:cMediaNode vol="80000">
+                <p:cTn id="7" fill="hold" display="0">
+                  <p:stCondLst>
+                    <p:cond delay="indefinite"/>
+                  </p:stCondLst>
+                </p:cTn>
+                <p:tgtEl>
+                  <p:spTgt spid="4"/>
+                </p:tgtEl>
+              </p:cMediaNode>
+            </p:video>
+            <p:seq concurrent="1" nextAc="seek">
+              <p:cTn id="8" restart="whenNotActive" fill="hold" evtFilter="cancelBubble" nodeType="interactiveSeq">
+                <p:stCondLst>
+                  <p:cond evt="onClick" delay="0">
+                    <p:tgtEl>
+                      <p:spTgt spid="4"/>
+                    </p:tgtEl>
+                  </p:cond>
+                </p:stCondLst>
+                <p:endSync evt="end" delay="0">
+                  <p:rtn val="all"/>
+                </p:endSync>
+                <p:childTnLst>
+                  <p:par>
+                    <p:cTn id="9" fill="hold">
+                      <p:stCondLst>
+                        <p:cond delay="0"/>
+                      </p:stCondLst>
+                      <p:childTnLst>
+                        <p:par>
+                          <p:cTn id="10" fill="hold">
+                            <p:stCondLst>
+                              <p:cond delay="0"/>
+                            </p:stCondLst>
+                            <p:childTnLst>
+                              <p:par>
+                                <p:cTn id="11" presetID="2" presetClass="mediacall" presetSubtype="0" fill="hold" nodeType="clickEffect">
+                                  <p:stCondLst>
+                                    <p:cond delay="0"/>
+                                  </p:stCondLst>
+                                  <p:childTnLst>
+                                    <p:cmd type="call" cmd="togglePause">
+                                      <p:cBhvr>
+                                        <p:cTn id="12" dur="1" fill="hold"/>
+                                        <p:tgtEl>
+                                          <p:spTgt spid="4"/>
+                                        </p:tgtEl>
+                                      </p:cBhvr>
+                                    </p:cmd>
+                                  </p:childTnLst>
+                                </p:cTn>
+                              </p:par>
+                            </p:childTnLst>
+                          </p:cTn>
+                        </p:par>
+                      </p:childTnLst>
+                    </p:cTn>
+                  </p:par>
+                </p:childTnLst>
+              </p:cTn>
+              <p:nextCondLst>
+                <p:cond evt="onClick" delay="0">
+                  <p:tgtEl>
+                    <p:spTgt spid="4"/>
+                  </p:tgtEl>
+                </p:cond>
+              </p:nextCondLst>
+            </p:seq>
+          </p:childTnLst>
+        </p:cTn>
+      </p:par>
+    </p:tnLst>
+  </p:timing>
+</p:sld>
+</file>
+
+<file path=ppt/slides/slide15.xml><?xml version="1.0" encoding="utf-8"?>
+<p:sld xmlns:a="http://schemas.openxmlformats.org/drawingml/2006/main" xmlns:r="http://schemas.openxmlformats.org/officeDocument/2006/relationships" xmlns:p="http://schemas.openxmlformats.org/presentationml/2006/main">
+  <p:cSld>
+    <p:spTree>
+      <p:nvGrpSpPr>
+        <p:cNvPr id="1" name=""/>
+        <p:cNvGrpSpPr/>
+        <p:nvPr/>
+      </p:nvGrpSpPr>
+      <p:grpSpPr>
+        <a:xfrm>
+          <a:off x="0" y="0"/>
+          <a:ext cx="0" cy="0"/>
+          <a:chOff x="0" y="0"/>
+          <a:chExt cx="0" cy="0"/>
+        </a:xfrm>
+      </p:grpSpPr>
+      <p:sp>
+        <p:nvSpPr>
+          <p:cNvPr id="2" name="Titel 1">
+            <a:extLst>
+              <a:ext uri="{FF2B5EF4-FFF2-40B4-BE49-F238E27FC236}">
                 <a16:creationId xmlns:a16="http://schemas.microsoft.com/office/drawing/2014/main" id="{BBEAD213-66E9-49C5-8212-B3B542EC0813}"/>
               </a:ext>
             </a:extLst>
@@ -6054,6 +6978,204 @@
   <p:clrMapOvr>
     <a:masterClrMapping/>
   </p:clrMapOvr>
+</p:sld>
+</file>
+
+<file path=ppt/slides/slide16.xml><?xml version="1.0" encoding="utf-8"?>
+<p:sld xmlns:a="http://schemas.openxmlformats.org/drawingml/2006/main" xmlns:r="http://schemas.openxmlformats.org/officeDocument/2006/relationships" xmlns:p="http://schemas.openxmlformats.org/presentationml/2006/main">
+  <p:cSld>
+    <p:spTree>
+      <p:nvGrpSpPr>
+        <p:cNvPr id="1" name=""/>
+        <p:cNvGrpSpPr/>
+        <p:nvPr/>
+      </p:nvGrpSpPr>
+      <p:grpSpPr>
+        <a:xfrm>
+          <a:off x="0" y="0"/>
+          <a:ext cx="0" cy="0"/>
+          <a:chOff x="0" y="0"/>
+          <a:chExt cx="0" cy="0"/>
+        </a:xfrm>
+      </p:grpSpPr>
+      <p:pic>
+        <p:nvPicPr>
+          <p:cNvPr id="4" name="Onlinemedier 3" title="Export til PCB">
+            <a:hlinkClick r:id="" action="ppaction://media"/>
+            <a:extLst>
+              <a:ext uri="{FF2B5EF4-FFF2-40B4-BE49-F238E27FC236}">
+                <a16:creationId xmlns:a16="http://schemas.microsoft.com/office/drawing/2014/main" id="{FF1BB1E0-1A63-4854-93D8-CDEA61A2B1B4}"/>
+              </a:ext>
+            </a:extLst>
+          </p:cNvPr>
+          <p:cNvPicPr>
+            <a:picLocks noRot="1" noChangeAspect="1"/>
+          </p:cNvPicPr>
+          <p:nvPr>
+            <a:videoFile r:link="rId1"/>
+          </p:nvPr>
+        </p:nvPicPr>
+        <p:blipFill>
+          <a:blip r:embed="rId3"/>
+          <a:stretch>
+            <a:fillRect/>
+          </a:stretch>
+        </p:blipFill>
+        <p:spPr>
+          <a:xfrm>
+            <a:off x="0" y="0"/>
+            <a:ext cx="12138053" cy="6858000"/>
+          </a:xfrm>
+          <a:prstGeom prst="rect">
+            <a:avLst/>
+          </a:prstGeom>
+        </p:spPr>
+      </p:pic>
+    </p:spTree>
+    <p:extLst>
+      <p:ext uri="{BB962C8B-B14F-4D97-AF65-F5344CB8AC3E}">
+        <p14:creationId xmlns:p14="http://schemas.microsoft.com/office/powerpoint/2010/main" val="372803618"/>
+      </p:ext>
+    </p:extLst>
+  </p:cSld>
+  <p:clrMapOvr>
+    <a:masterClrMapping/>
+  </p:clrMapOvr>
+  <p:timing>
+    <p:tnLst>
+      <p:par>
+        <p:cTn id="1" dur="indefinite" restart="never" nodeType="tmRoot">
+          <p:childTnLst>
+            <p:seq concurrent="1" nextAc="seek">
+              <p:cTn id="2" dur="indefinite" nodeType="mainSeq">
+                <p:childTnLst>
+                  <p:par>
+                    <p:cTn id="3" fill="hold">
+                      <p:stCondLst>
+                        <p:cond delay="indefinite"/>
+                      </p:stCondLst>
+                      <p:childTnLst>
+                        <p:par>
+                          <p:cTn id="4" fill="hold">
+                            <p:stCondLst>
+                              <p:cond delay="0"/>
+                            </p:stCondLst>
+                            <p:childTnLst>
+                              <p:par>
+                                <p:cTn id="5" presetID="1" presetClass="mediacall" presetSubtype="0" fill="hold" nodeType="clickEffect">
+                                  <p:stCondLst>
+                                    <p:cond delay="0"/>
+                                  </p:stCondLst>
+                                  <p:childTnLst>
+                                    <p:cmd type="call" cmd="playFrom(0.0)">
+                                      <p:cBhvr>
+                                        <p:cTn id="6" dur="1" fill="hold"/>
+                                        <p:tgtEl>
+                                          <p:spTgt spid="4"/>
+                                        </p:tgtEl>
+                                      </p:cBhvr>
+                                    </p:cmd>
+                                  </p:childTnLst>
+                                </p:cTn>
+                              </p:par>
+                            </p:childTnLst>
+                          </p:cTn>
+                        </p:par>
+                      </p:childTnLst>
+                    </p:cTn>
+                  </p:par>
+                </p:childTnLst>
+              </p:cTn>
+              <p:prevCondLst>
+                <p:cond evt="onPrev" delay="0">
+                  <p:tgtEl>
+                    <p:sldTgt/>
+                  </p:tgtEl>
+                </p:cond>
+              </p:prevCondLst>
+              <p:nextCondLst>
+                <p:cond evt="onNext" delay="0">
+                  <p:tgtEl>
+                    <p:sldTgt/>
+                  </p:tgtEl>
+                </p:cond>
+              </p:nextCondLst>
+            </p:seq>
+            <p:video>
+              <p:cMediaNode vol="80000">
+                <p:cTn id="7" fill="hold" display="0">
+                  <p:stCondLst>
+                    <p:cond delay="indefinite"/>
+                  </p:stCondLst>
+                </p:cTn>
+                <p:tgtEl>
+                  <p:spTgt spid="4"/>
+                </p:tgtEl>
+              </p:cMediaNode>
+            </p:video>
+            <p:seq concurrent="1" nextAc="seek">
+              <p:cTn id="8" restart="whenNotActive" fill="hold" evtFilter="cancelBubble" nodeType="interactiveSeq">
+                <p:stCondLst>
+                  <p:cond evt="onClick" delay="0">
+                    <p:tgtEl>
+                      <p:spTgt spid="4"/>
+                    </p:tgtEl>
+                  </p:cond>
+                </p:stCondLst>
+                <p:endSync evt="end" delay="0">
+                  <p:rtn val="all"/>
+                </p:endSync>
+                <p:childTnLst>
+                  <p:par>
+                    <p:cTn id="9" fill="hold">
+                      <p:stCondLst>
+                        <p:cond delay="0"/>
+                      </p:stCondLst>
+                      <p:childTnLst>
+                        <p:par>
+                          <p:cTn id="10" fill="hold">
+                            <p:stCondLst>
+                              <p:cond delay="0"/>
+                            </p:stCondLst>
+                            <p:childTnLst>
+                              <p:par>
+                                <p:cTn id="11" presetID="2" presetClass="mediacall" presetSubtype="0" fill="hold" nodeType="clickEffect">
+                                  <p:stCondLst>
+                                    <p:cond delay="0"/>
+                                  </p:stCondLst>
+                                  <p:childTnLst>
+                                    <p:cmd type="call" cmd="togglePause">
+                                      <p:cBhvr>
+                                        <p:cTn id="12" dur="1" fill="hold"/>
+                                        <p:tgtEl>
+                                          <p:spTgt spid="4"/>
+                                        </p:tgtEl>
+                                      </p:cBhvr>
+                                    </p:cmd>
+                                  </p:childTnLst>
+                                </p:cTn>
+                              </p:par>
+                            </p:childTnLst>
+                          </p:cTn>
+                        </p:par>
+                      </p:childTnLst>
+                    </p:cTn>
+                  </p:par>
+                </p:childTnLst>
+              </p:cTn>
+              <p:nextCondLst>
+                <p:cond evt="onClick" delay="0">
+                  <p:tgtEl>
+                    <p:spTgt spid="4"/>
+                  </p:tgtEl>
+                </p:cond>
+              </p:nextCondLst>
+            </p:seq>
+          </p:childTnLst>
+        </p:cTn>
+      </p:par>
+    </p:tnLst>
+  </p:timing>
 </p:sld>
 </file>
 
@@ -6237,6 +7359,204 @@
           <a:chExt cx="0" cy="0"/>
         </a:xfrm>
       </p:grpSpPr>
+      <p:pic>
+        <p:nvPicPr>
+          <p:cNvPr id="4" name="Onlinemedier 3" title="PcbImportAndLayout Shorten">
+            <a:hlinkClick r:id="" action="ppaction://media"/>
+            <a:extLst>
+              <a:ext uri="{FF2B5EF4-FFF2-40B4-BE49-F238E27FC236}">
+                <a16:creationId xmlns:a16="http://schemas.microsoft.com/office/drawing/2014/main" id="{8E4BDD5F-27F6-4472-A191-88E2B9978DDA}"/>
+              </a:ext>
+            </a:extLst>
+          </p:cNvPr>
+          <p:cNvPicPr>
+            <a:picLocks noRot="1" noChangeAspect="1"/>
+          </p:cNvPicPr>
+          <p:nvPr>
+            <a:videoFile r:link="rId1"/>
+          </p:nvPr>
+        </p:nvPicPr>
+        <p:blipFill>
+          <a:blip r:embed="rId3"/>
+          <a:stretch>
+            <a:fillRect/>
+          </a:stretch>
+        </p:blipFill>
+        <p:spPr>
+          <a:xfrm>
+            <a:off x="0" y="0"/>
+            <a:ext cx="12192000" cy="6858000"/>
+          </a:xfrm>
+          <a:prstGeom prst="rect">
+            <a:avLst/>
+          </a:prstGeom>
+        </p:spPr>
+      </p:pic>
+    </p:spTree>
+    <p:extLst>
+      <p:ext uri="{BB962C8B-B14F-4D97-AF65-F5344CB8AC3E}">
+        <p14:creationId xmlns:p14="http://schemas.microsoft.com/office/powerpoint/2010/main" val="2474163228"/>
+      </p:ext>
+    </p:extLst>
+  </p:cSld>
+  <p:clrMapOvr>
+    <a:masterClrMapping/>
+  </p:clrMapOvr>
+  <p:timing>
+    <p:tnLst>
+      <p:par>
+        <p:cTn id="1" dur="indefinite" restart="never" nodeType="tmRoot">
+          <p:childTnLst>
+            <p:seq concurrent="1" nextAc="seek">
+              <p:cTn id="2" dur="indefinite" nodeType="mainSeq">
+                <p:childTnLst>
+                  <p:par>
+                    <p:cTn id="3" fill="hold">
+                      <p:stCondLst>
+                        <p:cond delay="indefinite"/>
+                      </p:stCondLst>
+                      <p:childTnLst>
+                        <p:par>
+                          <p:cTn id="4" fill="hold">
+                            <p:stCondLst>
+                              <p:cond delay="0"/>
+                            </p:stCondLst>
+                            <p:childTnLst>
+                              <p:par>
+                                <p:cTn id="5" presetID="1" presetClass="mediacall" presetSubtype="0" fill="hold" nodeType="clickEffect">
+                                  <p:stCondLst>
+                                    <p:cond delay="0"/>
+                                  </p:stCondLst>
+                                  <p:childTnLst>
+                                    <p:cmd type="call" cmd="playFrom(0.0)">
+                                      <p:cBhvr>
+                                        <p:cTn id="6" dur="1" fill="hold"/>
+                                        <p:tgtEl>
+                                          <p:spTgt spid="4"/>
+                                        </p:tgtEl>
+                                      </p:cBhvr>
+                                    </p:cmd>
+                                  </p:childTnLst>
+                                </p:cTn>
+                              </p:par>
+                            </p:childTnLst>
+                          </p:cTn>
+                        </p:par>
+                      </p:childTnLst>
+                    </p:cTn>
+                  </p:par>
+                </p:childTnLst>
+              </p:cTn>
+              <p:prevCondLst>
+                <p:cond evt="onPrev" delay="0">
+                  <p:tgtEl>
+                    <p:sldTgt/>
+                  </p:tgtEl>
+                </p:cond>
+              </p:prevCondLst>
+              <p:nextCondLst>
+                <p:cond evt="onNext" delay="0">
+                  <p:tgtEl>
+                    <p:sldTgt/>
+                  </p:tgtEl>
+                </p:cond>
+              </p:nextCondLst>
+            </p:seq>
+            <p:video>
+              <p:cMediaNode vol="80000">
+                <p:cTn id="7" fill="hold" display="0">
+                  <p:stCondLst>
+                    <p:cond delay="indefinite"/>
+                  </p:stCondLst>
+                </p:cTn>
+                <p:tgtEl>
+                  <p:spTgt spid="4"/>
+                </p:tgtEl>
+              </p:cMediaNode>
+            </p:video>
+            <p:seq concurrent="1" nextAc="seek">
+              <p:cTn id="8" restart="whenNotActive" fill="hold" evtFilter="cancelBubble" nodeType="interactiveSeq">
+                <p:stCondLst>
+                  <p:cond evt="onClick" delay="0">
+                    <p:tgtEl>
+                      <p:spTgt spid="4"/>
+                    </p:tgtEl>
+                  </p:cond>
+                </p:stCondLst>
+                <p:endSync evt="end" delay="0">
+                  <p:rtn val="all"/>
+                </p:endSync>
+                <p:childTnLst>
+                  <p:par>
+                    <p:cTn id="9" fill="hold">
+                      <p:stCondLst>
+                        <p:cond delay="0"/>
+                      </p:stCondLst>
+                      <p:childTnLst>
+                        <p:par>
+                          <p:cTn id="10" fill="hold">
+                            <p:stCondLst>
+                              <p:cond delay="0"/>
+                            </p:stCondLst>
+                            <p:childTnLst>
+                              <p:par>
+                                <p:cTn id="11" presetID="2" presetClass="mediacall" presetSubtype="0" fill="hold" nodeType="clickEffect">
+                                  <p:stCondLst>
+                                    <p:cond delay="0"/>
+                                  </p:stCondLst>
+                                  <p:childTnLst>
+                                    <p:cmd type="call" cmd="togglePause">
+                                      <p:cBhvr>
+                                        <p:cTn id="12" dur="1" fill="hold"/>
+                                        <p:tgtEl>
+                                          <p:spTgt spid="4"/>
+                                        </p:tgtEl>
+                                      </p:cBhvr>
+                                    </p:cmd>
+                                  </p:childTnLst>
+                                </p:cTn>
+                              </p:par>
+                            </p:childTnLst>
+                          </p:cTn>
+                        </p:par>
+                      </p:childTnLst>
+                    </p:cTn>
+                  </p:par>
+                </p:childTnLst>
+              </p:cTn>
+              <p:nextCondLst>
+                <p:cond evt="onClick" delay="0">
+                  <p:tgtEl>
+                    <p:spTgt spid="4"/>
+                  </p:tgtEl>
+                </p:cond>
+              </p:nextCondLst>
+            </p:seq>
+          </p:childTnLst>
+        </p:cTn>
+      </p:par>
+    </p:tnLst>
+  </p:timing>
+</p:sld>
+</file>
+
+<file path=ppt/slides/slide4.xml><?xml version="1.0" encoding="utf-8"?>
+<p:sld xmlns:a="http://schemas.openxmlformats.org/drawingml/2006/main" xmlns:r="http://schemas.openxmlformats.org/officeDocument/2006/relationships" xmlns:p="http://schemas.openxmlformats.org/presentationml/2006/main">
+  <p:cSld>
+    <p:spTree>
+      <p:nvGrpSpPr>
+        <p:cNvPr id="1" name=""/>
+        <p:cNvGrpSpPr/>
+        <p:nvPr/>
+      </p:nvGrpSpPr>
+      <p:grpSpPr>
+        <a:xfrm>
+          <a:off x="0" y="0"/>
+          <a:ext cx="0" cy="0"/>
+          <a:chOff x="0" y="0"/>
+          <a:chExt cx="0" cy="0"/>
+        </a:xfrm>
+      </p:grpSpPr>
       <p:sp>
         <p:nvSpPr>
           <p:cNvPr id="2" name="Titel 1">
@@ -6353,126 +7673,6 @@
     <p:extLst>
       <p:ext uri="{BB962C8B-B14F-4D97-AF65-F5344CB8AC3E}">
         <p14:creationId xmlns:p14="http://schemas.microsoft.com/office/powerpoint/2010/main" val="3497227837"/>
-      </p:ext>
-    </p:extLst>
-  </p:cSld>
-  <p:clrMapOvr>
-    <a:masterClrMapping/>
-  </p:clrMapOvr>
-</p:sld>
-</file>
-
-<file path=ppt/slides/slide4.xml><?xml version="1.0" encoding="utf-8"?>
-<p:sld xmlns:a="http://schemas.openxmlformats.org/drawingml/2006/main" xmlns:r="http://schemas.openxmlformats.org/officeDocument/2006/relationships" xmlns:p="http://schemas.openxmlformats.org/presentationml/2006/main">
-  <p:cSld>
-    <p:spTree>
-      <p:nvGrpSpPr>
-        <p:cNvPr id="1" name=""/>
-        <p:cNvGrpSpPr/>
-        <p:nvPr/>
-      </p:nvGrpSpPr>
-      <p:grpSpPr>
-        <a:xfrm>
-          <a:off x="0" y="0"/>
-          <a:ext cx="0" cy="0"/>
-          <a:chOff x="0" y="0"/>
-          <a:chExt cx="0" cy="0"/>
-        </a:xfrm>
-      </p:grpSpPr>
-      <p:sp>
-        <p:nvSpPr>
-          <p:cNvPr id="2" name="Titel 1">
-            <a:extLst>
-              <a:ext uri="{FF2B5EF4-FFF2-40B4-BE49-F238E27FC236}">
-                <a16:creationId xmlns:a16="http://schemas.microsoft.com/office/drawing/2014/main" id="{72C7E04C-8006-4CD3-A66A-2357699CE722}"/>
-              </a:ext>
-            </a:extLst>
-          </p:cNvPr>
-          <p:cNvSpPr>
-            <a:spLocks noGrp="1"/>
-          </p:cNvSpPr>
-          <p:nvPr>
-            <p:ph type="title"/>
-          </p:nvPr>
-        </p:nvSpPr>
-        <p:spPr/>
-        <p:txBody>
-          <a:bodyPr/>
-          <a:lstStyle/>
-          <a:p>
-            <a:r>
-              <a:rPr lang="en-GB" dirty="0"/>
-              <a:t>Footprint</a:t>
-            </a:r>
-            <a:endParaRPr lang="LID4096" dirty="0"/>
-          </a:p>
-        </p:txBody>
-      </p:sp>
-      <p:sp>
-        <p:nvSpPr>
-          <p:cNvPr id="3" name="Pladsholder til indhold 2">
-            <a:extLst>
-              <a:ext uri="{FF2B5EF4-FFF2-40B4-BE49-F238E27FC236}">
-                <a16:creationId xmlns:a16="http://schemas.microsoft.com/office/drawing/2014/main" id="{06C059E5-6769-4D27-AEA8-795B5A29D754}"/>
-              </a:ext>
-            </a:extLst>
-          </p:cNvPr>
-          <p:cNvSpPr>
-            <a:spLocks noGrp="1"/>
-          </p:cNvSpPr>
-          <p:nvPr>
-            <p:ph idx="1"/>
-          </p:nvPr>
-        </p:nvSpPr>
-        <p:spPr/>
-        <p:txBody>
-          <a:bodyPr/>
-          <a:lstStyle/>
-          <a:p>
-            <a:r>
-              <a:rPr lang="en-GB" dirty="0"/>
-              <a:t>Outline</a:t>
-            </a:r>
-          </a:p>
-          <a:p>
-            <a:endParaRPr lang="LID4096" dirty="0"/>
-          </a:p>
-        </p:txBody>
-      </p:sp>
-      <p:pic>
-        <p:nvPicPr>
-          <p:cNvPr id="5" name="Billede 4">
-            <a:extLst>
-              <a:ext uri="{FF2B5EF4-FFF2-40B4-BE49-F238E27FC236}">
-                <a16:creationId xmlns:a16="http://schemas.microsoft.com/office/drawing/2014/main" id="{EC1C6006-988F-4C21-B1C7-558854E89828}"/>
-              </a:ext>
-            </a:extLst>
-          </p:cNvPr>
-          <p:cNvPicPr>
-            <a:picLocks noChangeAspect="1"/>
-          </p:cNvPicPr>
-          <p:nvPr/>
-        </p:nvPicPr>
-        <p:blipFill>
-          <a:blip r:embed="rId2"/>
-          <a:stretch>
-            <a:fillRect/>
-          </a:stretch>
-        </p:blipFill>
-        <p:spPr>
-          <a:xfrm>
-            <a:off x="4988708" y="2275583"/>
-            <a:ext cx="6856051" cy="4265525"/>
-          </a:xfrm>
-          <a:prstGeom prst="rect">
-            <a:avLst/>
-          </a:prstGeom>
-        </p:spPr>
-      </p:pic>
-    </p:spTree>
-    <p:extLst>
-      <p:ext uri="{BB962C8B-B14F-4D97-AF65-F5344CB8AC3E}">
-        <p14:creationId xmlns:p14="http://schemas.microsoft.com/office/powerpoint/2010/main" val="2376380929"/>
       </p:ext>
     </p:extLst>
   </p:cSld>
@@ -6499,100 +7699,33 @@
           <a:chExt cx="0" cy="0"/>
         </a:xfrm>
       </p:grpSpPr>
-      <p:sp>
-        <p:nvSpPr>
-          <p:cNvPr id="2" name="Titel 1">
+      <p:pic>
+        <p:nvPicPr>
+          <p:cNvPr id="4" name="Onlinemedier 3" title="PcbImportAndLayout">
+            <a:hlinkClick r:id="" action="ppaction://media"/>
             <a:extLst>
               <a:ext uri="{FF2B5EF4-FFF2-40B4-BE49-F238E27FC236}">
-                <a16:creationId xmlns:a16="http://schemas.microsoft.com/office/drawing/2014/main" id="{90FC6404-4EFD-4A53-99BE-341E4572A41C}"/>
-              </a:ext>
-            </a:extLst>
-          </p:cNvPr>
-          <p:cNvSpPr>
-            <a:spLocks noGrp="1"/>
-          </p:cNvSpPr>
-          <p:nvPr>
-            <p:ph type="title"/>
-          </p:nvPr>
-        </p:nvSpPr>
-        <p:spPr/>
-        <p:txBody>
-          <a:bodyPr/>
-          <a:lstStyle/>
-          <a:p>
-            <a:r>
-              <a:rPr lang="en-GB" dirty="0" err="1"/>
-              <a:t>Padstack</a:t>
-            </a:r>
-            <a:endParaRPr lang="LID4096" dirty="0"/>
-          </a:p>
-        </p:txBody>
-      </p:sp>
-      <p:sp>
-        <p:nvSpPr>
-          <p:cNvPr id="3" name="Pladsholder til indhold 2">
-            <a:extLst>
-              <a:ext uri="{FF2B5EF4-FFF2-40B4-BE49-F238E27FC236}">
-                <a16:creationId xmlns:a16="http://schemas.microsoft.com/office/drawing/2014/main" id="{6BC3B2B1-B323-494F-9736-6F831D13D32D}"/>
-              </a:ext>
-            </a:extLst>
-          </p:cNvPr>
-          <p:cNvSpPr>
-            <a:spLocks noGrp="1"/>
-          </p:cNvSpPr>
-          <p:nvPr>
-            <p:ph idx="1"/>
-          </p:nvPr>
-        </p:nvSpPr>
-        <p:spPr/>
-        <p:txBody>
-          <a:bodyPr/>
-          <a:lstStyle/>
-          <a:p>
-            <a:r>
-              <a:rPr lang="en-GB" dirty="0"/>
-              <a:t>Shape</a:t>
-            </a:r>
-          </a:p>
-          <a:p>
-            <a:r>
-              <a:rPr lang="en-GB" dirty="0"/>
-              <a:t>Type</a:t>
-            </a:r>
-          </a:p>
-          <a:p>
-            <a:r>
-              <a:rPr lang="en-GB" dirty="0" err="1"/>
-              <a:t>Silkemask</a:t>
-            </a:r>
-            <a:endParaRPr lang="LID4096" dirty="0"/>
-          </a:p>
-        </p:txBody>
-      </p:sp>
-      <p:pic>
-        <p:nvPicPr>
-          <p:cNvPr id="9" name="Billede 8">
-            <a:extLst>
-              <a:ext uri="{FF2B5EF4-FFF2-40B4-BE49-F238E27FC236}">
-                <a16:creationId xmlns:a16="http://schemas.microsoft.com/office/drawing/2014/main" id="{567512F3-1813-4425-8DFA-C5FCB2B897C1}"/>
+                <a16:creationId xmlns:a16="http://schemas.microsoft.com/office/drawing/2014/main" id="{E4CD3D90-971A-41A2-8E38-625C5AAD8BC4}"/>
               </a:ext>
             </a:extLst>
           </p:cNvPr>
           <p:cNvPicPr>
-            <a:picLocks noChangeAspect="1"/>
+            <a:picLocks noRot="1" noChangeAspect="1"/>
           </p:cNvPicPr>
-          <p:nvPr/>
+          <p:nvPr>
+            <a:videoFile r:link="rId1"/>
+          </p:nvPr>
         </p:nvPicPr>
         <p:blipFill>
-          <a:blip r:embed="rId2"/>
+          <a:blip r:embed="rId3"/>
           <a:stretch>
             <a:fillRect/>
           </a:stretch>
         </p:blipFill>
         <p:spPr>
           <a:xfrm>
-            <a:off x="6377484" y="3277056"/>
-            <a:ext cx="5497008" cy="3047088"/>
+            <a:off x="0" y="0"/>
+            <a:ext cx="12192000" cy="6858000"/>
           </a:xfrm>
           <a:prstGeom prst="rect">
             <a:avLst/>
@@ -6602,13 +7735,148 @@
     </p:spTree>
     <p:extLst>
       <p:ext uri="{BB962C8B-B14F-4D97-AF65-F5344CB8AC3E}">
-        <p14:creationId xmlns:p14="http://schemas.microsoft.com/office/powerpoint/2010/main" val="3867261761"/>
+        <p14:creationId xmlns:p14="http://schemas.microsoft.com/office/powerpoint/2010/main" val="3630010189"/>
       </p:ext>
     </p:extLst>
   </p:cSld>
   <p:clrMapOvr>
     <a:masterClrMapping/>
   </p:clrMapOvr>
+  <p:timing>
+    <p:tnLst>
+      <p:par>
+        <p:cTn id="1" dur="indefinite" restart="never" nodeType="tmRoot">
+          <p:childTnLst>
+            <p:seq concurrent="1" nextAc="seek">
+              <p:cTn id="2" dur="indefinite" nodeType="mainSeq">
+                <p:childTnLst>
+                  <p:par>
+                    <p:cTn id="3" fill="hold">
+                      <p:stCondLst>
+                        <p:cond delay="indefinite"/>
+                      </p:stCondLst>
+                      <p:childTnLst>
+                        <p:par>
+                          <p:cTn id="4" fill="hold">
+                            <p:stCondLst>
+                              <p:cond delay="0"/>
+                            </p:stCondLst>
+                            <p:childTnLst>
+                              <p:par>
+                                <p:cTn id="5" presetID="1" presetClass="mediacall" presetSubtype="0" fill="hold" nodeType="clickEffect">
+                                  <p:stCondLst>
+                                    <p:cond delay="0"/>
+                                  </p:stCondLst>
+                                  <p:childTnLst>
+                                    <p:cmd type="call" cmd="playFrom(0.0)">
+                                      <p:cBhvr>
+                                        <p:cTn id="6" dur="1" fill="hold"/>
+                                        <p:tgtEl>
+                                          <p:spTgt spid="4"/>
+                                        </p:tgtEl>
+                                      </p:cBhvr>
+                                    </p:cmd>
+                                  </p:childTnLst>
+                                </p:cTn>
+                              </p:par>
+                            </p:childTnLst>
+                          </p:cTn>
+                        </p:par>
+                      </p:childTnLst>
+                    </p:cTn>
+                  </p:par>
+                </p:childTnLst>
+              </p:cTn>
+              <p:prevCondLst>
+                <p:cond evt="onPrev" delay="0">
+                  <p:tgtEl>
+                    <p:sldTgt/>
+                  </p:tgtEl>
+                </p:cond>
+              </p:prevCondLst>
+              <p:nextCondLst>
+                <p:cond evt="onNext" delay="0">
+                  <p:tgtEl>
+                    <p:sldTgt/>
+                  </p:tgtEl>
+                </p:cond>
+              </p:nextCondLst>
+            </p:seq>
+            <p:video>
+              <p:cMediaNode vol="80000">
+                <p:cTn id="7" fill="hold" display="0">
+                  <p:stCondLst>
+                    <p:cond delay="indefinite"/>
+                  </p:stCondLst>
+                </p:cTn>
+                <p:tgtEl>
+                  <p:spTgt spid="4"/>
+                </p:tgtEl>
+              </p:cMediaNode>
+            </p:video>
+            <p:seq concurrent="1" nextAc="seek">
+              <p:cTn id="8" restart="whenNotActive" fill="hold" evtFilter="cancelBubble" nodeType="interactiveSeq">
+                <p:stCondLst>
+                  <p:cond evt="onClick" delay="0">
+                    <p:tgtEl>
+                      <p:spTgt spid="4"/>
+                    </p:tgtEl>
+                  </p:cond>
+                </p:stCondLst>
+                <p:endSync evt="end" delay="0">
+                  <p:rtn val="all"/>
+                </p:endSync>
+                <p:childTnLst>
+                  <p:par>
+                    <p:cTn id="9" fill="hold">
+                      <p:stCondLst>
+                        <p:cond delay="0"/>
+                      </p:stCondLst>
+                      <p:childTnLst>
+                        <p:par>
+                          <p:cTn id="10" fill="hold">
+                            <p:stCondLst>
+                              <p:cond delay="0"/>
+                            </p:stCondLst>
+                            <p:childTnLst>
+                              <p:par>
+                                <p:cTn id="11" presetID="2" presetClass="mediacall" presetSubtype="0" fill="hold" nodeType="clickEffect">
+                                  <p:stCondLst>
+                                    <p:cond delay="0"/>
+                                  </p:stCondLst>
+                                  <p:childTnLst>
+                                    <p:cmd type="call" cmd="togglePause">
+                                      <p:cBhvr>
+                                        <p:cTn id="12" dur="1" fill="hold"/>
+                                        <p:tgtEl>
+                                          <p:spTgt spid="4"/>
+                                        </p:tgtEl>
+                                      </p:cBhvr>
+                                    </p:cmd>
+                                  </p:childTnLst>
+                                </p:cTn>
+                              </p:par>
+                            </p:childTnLst>
+                          </p:cTn>
+                        </p:par>
+                      </p:childTnLst>
+                    </p:cTn>
+                  </p:par>
+                </p:childTnLst>
+              </p:cTn>
+              <p:nextCondLst>
+                <p:cond evt="onClick" delay="0">
+                  <p:tgtEl>
+                    <p:spTgt spid="4"/>
+                  </p:tgtEl>
+                </p:cond>
+              </p:nextCondLst>
+            </p:seq>
+          </p:childTnLst>
+        </p:cTn>
+      </p:par>
+    </p:tnLst>
+  </p:timing>
 </p:sld>
 </file>
 
@@ -6634,7 +7902,7 @@
           <p:cNvPr id="2" name="Titel 1">
             <a:extLst>
               <a:ext uri="{FF2B5EF4-FFF2-40B4-BE49-F238E27FC236}">
-                <a16:creationId xmlns:a16="http://schemas.microsoft.com/office/drawing/2014/main" id="{891F281A-E0EE-4DDD-B03B-AA879024A6E1}"/>
+                <a16:creationId xmlns:a16="http://schemas.microsoft.com/office/drawing/2014/main" id="{72C7E04C-8006-4CD3-A66A-2357699CE722}"/>
               </a:ext>
             </a:extLst>
           </p:cNvPr>
@@ -6651,24 +7919,8 @@
           <a:lstStyle/>
           <a:p>
             <a:r>
-              <a:rPr lang="en-GB" dirty="0" err="1"/>
-              <a:t>Routning</a:t>
-            </a:r>
-            <a:r>
               <a:rPr lang="en-GB" dirty="0"/>
-              <a:t> </a:t>
-            </a:r>
-            <a:r>
-              <a:rPr lang="en-GB" dirty="0" err="1"/>
-              <a:t>af</a:t>
-            </a:r>
-            <a:r>
-              <a:rPr lang="en-GB" dirty="0"/>
-              <a:t> </a:t>
-            </a:r>
-            <a:r>
-              <a:rPr lang="en-GB" dirty="0" err="1"/>
-              <a:t>baner</a:t>
+              <a:t>Footprint</a:t>
             </a:r>
             <a:endParaRPr lang="LID4096" dirty="0"/>
           </a:p>
@@ -6679,7 +7931,7 @@
           <p:cNvPr id="3" name="Pladsholder til indhold 2">
             <a:extLst>
               <a:ext uri="{FF2B5EF4-FFF2-40B4-BE49-F238E27FC236}">
-                <a16:creationId xmlns:a16="http://schemas.microsoft.com/office/drawing/2014/main" id="{F842DC5F-62E3-44BD-BF35-4AAD0488595B}"/>
+                <a16:creationId xmlns:a16="http://schemas.microsoft.com/office/drawing/2014/main" id="{06C059E5-6769-4D27-AEA8-795B5A29D754}"/>
               </a:ext>
             </a:extLst>
           </p:cNvPr>
@@ -6696,40 +7948,49 @@
           <a:lstStyle/>
           <a:p>
             <a:r>
-              <a:rPr lang="en-GB" dirty="0" err="1"/>
-              <a:t>Enkelt</a:t>
-            </a:r>
-            <a:r>
               <a:rPr lang="en-GB" dirty="0"/>
-              <a:t> </a:t>
-            </a:r>
-            <a:r>
-              <a:rPr lang="en-GB" dirty="0" err="1"/>
-              <a:t>baner</a:t>
-            </a:r>
-            <a:endParaRPr lang="en-GB" dirty="0"/>
-          </a:p>
-          <a:p>
-            <a:r>
-              <a:rPr lang="en-GB" dirty="0" err="1"/>
-              <a:t>Balanceret</a:t>
-            </a:r>
-            <a:r>
-              <a:rPr lang="en-GB" dirty="0"/>
-              <a:t> </a:t>
-            </a:r>
-            <a:r>
-              <a:rPr lang="en-GB" dirty="0" err="1"/>
-              <a:t>signaler</a:t>
-            </a:r>
+              <a:t>Outline</a:t>
+            </a:r>
+          </a:p>
+          <a:p>
             <a:endParaRPr lang="LID4096" dirty="0"/>
           </a:p>
         </p:txBody>
       </p:sp>
+      <p:pic>
+        <p:nvPicPr>
+          <p:cNvPr id="5" name="Billede 4">
+            <a:extLst>
+              <a:ext uri="{FF2B5EF4-FFF2-40B4-BE49-F238E27FC236}">
+                <a16:creationId xmlns:a16="http://schemas.microsoft.com/office/drawing/2014/main" id="{EC1C6006-988F-4C21-B1C7-558854E89828}"/>
+              </a:ext>
+            </a:extLst>
+          </p:cNvPr>
+          <p:cNvPicPr>
+            <a:picLocks noChangeAspect="1"/>
+          </p:cNvPicPr>
+          <p:nvPr/>
+        </p:nvPicPr>
+        <p:blipFill>
+          <a:blip r:embed="rId2"/>
+          <a:stretch>
+            <a:fillRect/>
+          </a:stretch>
+        </p:blipFill>
+        <p:spPr>
+          <a:xfrm>
+            <a:off x="4988708" y="2275583"/>
+            <a:ext cx="6856051" cy="4265525"/>
+          </a:xfrm>
+          <a:prstGeom prst="rect">
+            <a:avLst/>
+          </a:prstGeom>
+        </p:spPr>
+      </p:pic>
     </p:spTree>
     <p:extLst>
       <p:ext uri="{BB962C8B-B14F-4D97-AF65-F5344CB8AC3E}">
-        <p14:creationId xmlns:p14="http://schemas.microsoft.com/office/powerpoint/2010/main" val="3942868684"/>
+        <p14:creationId xmlns:p14="http://schemas.microsoft.com/office/powerpoint/2010/main" val="2376380929"/>
       </p:ext>
     </p:extLst>
   </p:cSld>
@@ -6756,74 +8017,184 @@
           <a:chExt cx="0" cy="0"/>
         </a:xfrm>
       </p:grpSpPr>
-      <p:sp>
-        <p:nvSpPr>
-          <p:cNvPr id="2" name="Titel 1">
+      <p:pic>
+        <p:nvPicPr>
+          <p:cNvPr id="4" name="Onlinemedier 3" title="Footprint">
+            <a:hlinkClick r:id="" action="ppaction://media"/>
             <a:extLst>
               <a:ext uri="{FF2B5EF4-FFF2-40B4-BE49-F238E27FC236}">
-                <a16:creationId xmlns:a16="http://schemas.microsoft.com/office/drawing/2014/main" id="{0E0F7945-6A08-4261-964E-38FF0DEA0F3C}"/>
+                <a16:creationId xmlns:a16="http://schemas.microsoft.com/office/drawing/2014/main" id="{B1BD2FEE-581E-4015-B875-DC66B4A01C41}"/>
               </a:ext>
             </a:extLst>
           </p:cNvPr>
-          <p:cNvSpPr>
-            <a:spLocks noGrp="1"/>
-          </p:cNvSpPr>
-          <p:nvPr>
-            <p:ph type="title"/>
-          </p:nvPr>
-        </p:nvSpPr>
-        <p:spPr/>
-        <p:txBody>
-          <a:bodyPr/>
-          <a:lstStyle/>
-          <a:p>
-            <a:r>
-              <a:rPr lang="en-GB" dirty="0"/>
-              <a:t>Fill</a:t>
-            </a:r>
-            <a:endParaRPr lang="LID4096" dirty="0"/>
-          </a:p>
-        </p:txBody>
-      </p:sp>
-      <p:sp>
-        <p:nvSpPr>
-          <p:cNvPr id="3" name="Pladsholder til indhold 2">
-            <a:extLst>
-              <a:ext uri="{FF2B5EF4-FFF2-40B4-BE49-F238E27FC236}">
-                <a16:creationId xmlns:a16="http://schemas.microsoft.com/office/drawing/2014/main" id="{B9B58C02-2A93-4E1A-9135-13A3C16BEF7B}"/>
-              </a:ext>
-            </a:extLst>
-          </p:cNvPr>
-          <p:cNvSpPr>
-            <a:spLocks noGrp="1"/>
-          </p:cNvSpPr>
-          <p:nvPr>
-            <p:ph idx="1"/>
-          </p:nvPr>
-        </p:nvSpPr>
-        <p:spPr/>
-        <p:txBody>
-          <a:bodyPr/>
-          <a:lstStyle/>
-          <a:p>
-            <a:r>
-              <a:rPr lang="en-GB" dirty="0"/>
-              <a:t>X Layer board</a:t>
-            </a:r>
-            <a:endParaRPr lang="LID4096" dirty="0"/>
-          </a:p>
-        </p:txBody>
-      </p:sp>
+          <p:cNvPicPr>
+            <a:picLocks noRot="1" noChangeAspect="1"/>
+          </p:cNvPicPr>
+          <p:nvPr>
+            <a:videoFile r:link="rId1"/>
+          </p:nvPr>
+        </p:nvPicPr>
+        <p:blipFill>
+          <a:blip r:embed="rId3"/>
+          <a:stretch>
+            <a:fillRect/>
+          </a:stretch>
+        </p:blipFill>
+        <p:spPr>
+          <a:xfrm>
+            <a:off x="0" y="0"/>
+            <a:ext cx="12138053" cy="6858000"/>
+          </a:xfrm>
+          <a:prstGeom prst="rect">
+            <a:avLst/>
+          </a:prstGeom>
+        </p:spPr>
+      </p:pic>
     </p:spTree>
     <p:extLst>
       <p:ext uri="{BB962C8B-B14F-4D97-AF65-F5344CB8AC3E}">
-        <p14:creationId xmlns:p14="http://schemas.microsoft.com/office/powerpoint/2010/main" val="1264967355"/>
+        <p14:creationId xmlns:p14="http://schemas.microsoft.com/office/powerpoint/2010/main" val="3693418641"/>
       </p:ext>
     </p:extLst>
   </p:cSld>
   <p:clrMapOvr>
     <a:masterClrMapping/>
   </p:clrMapOvr>
+  <p:timing>
+    <p:tnLst>
+      <p:par>
+        <p:cTn id="1" dur="indefinite" restart="never" nodeType="tmRoot">
+          <p:childTnLst>
+            <p:seq concurrent="1" nextAc="seek">
+              <p:cTn id="2" dur="indefinite" nodeType="mainSeq">
+                <p:childTnLst>
+                  <p:par>
+                    <p:cTn id="3" fill="hold">
+                      <p:stCondLst>
+                        <p:cond delay="indefinite"/>
+                      </p:stCondLst>
+                      <p:childTnLst>
+                        <p:par>
+                          <p:cTn id="4" fill="hold">
+                            <p:stCondLst>
+                              <p:cond delay="0"/>
+                            </p:stCondLst>
+                            <p:childTnLst>
+                              <p:par>
+                                <p:cTn id="5" presetID="1" presetClass="mediacall" presetSubtype="0" fill="hold" nodeType="clickEffect">
+                                  <p:stCondLst>
+                                    <p:cond delay="0"/>
+                                  </p:stCondLst>
+                                  <p:childTnLst>
+                                    <p:cmd type="call" cmd="playFrom(0.0)">
+                                      <p:cBhvr>
+                                        <p:cTn id="6" dur="1" fill="hold"/>
+                                        <p:tgtEl>
+                                          <p:spTgt spid="4"/>
+                                        </p:tgtEl>
+                                      </p:cBhvr>
+                                    </p:cmd>
+                                  </p:childTnLst>
+                                </p:cTn>
+                              </p:par>
+                            </p:childTnLst>
+                          </p:cTn>
+                        </p:par>
+                      </p:childTnLst>
+                    </p:cTn>
+                  </p:par>
+                </p:childTnLst>
+              </p:cTn>
+              <p:prevCondLst>
+                <p:cond evt="onPrev" delay="0">
+                  <p:tgtEl>
+                    <p:sldTgt/>
+                  </p:tgtEl>
+                </p:cond>
+              </p:prevCondLst>
+              <p:nextCondLst>
+                <p:cond evt="onNext" delay="0">
+                  <p:tgtEl>
+                    <p:sldTgt/>
+                  </p:tgtEl>
+                </p:cond>
+              </p:nextCondLst>
+            </p:seq>
+            <p:video>
+              <p:cMediaNode vol="80000">
+                <p:cTn id="7" fill="hold" display="0">
+                  <p:stCondLst>
+                    <p:cond delay="indefinite"/>
+                  </p:stCondLst>
+                </p:cTn>
+                <p:tgtEl>
+                  <p:spTgt spid="4"/>
+                </p:tgtEl>
+              </p:cMediaNode>
+            </p:video>
+            <p:seq concurrent="1" nextAc="seek">
+              <p:cTn id="8" restart="whenNotActive" fill="hold" evtFilter="cancelBubble" nodeType="interactiveSeq">
+                <p:stCondLst>
+                  <p:cond evt="onClick" delay="0">
+                    <p:tgtEl>
+                      <p:spTgt spid="4"/>
+                    </p:tgtEl>
+                  </p:cond>
+                </p:stCondLst>
+                <p:endSync evt="end" delay="0">
+                  <p:rtn val="all"/>
+                </p:endSync>
+                <p:childTnLst>
+                  <p:par>
+                    <p:cTn id="9" fill="hold">
+                      <p:stCondLst>
+                        <p:cond delay="0"/>
+                      </p:stCondLst>
+                      <p:childTnLst>
+                        <p:par>
+                          <p:cTn id="10" fill="hold">
+                            <p:stCondLst>
+                              <p:cond delay="0"/>
+                            </p:stCondLst>
+                            <p:childTnLst>
+                              <p:par>
+                                <p:cTn id="11" presetID="2" presetClass="mediacall" presetSubtype="0" fill="hold" nodeType="clickEffect">
+                                  <p:stCondLst>
+                                    <p:cond delay="0"/>
+                                  </p:stCondLst>
+                                  <p:childTnLst>
+                                    <p:cmd type="call" cmd="togglePause">
+                                      <p:cBhvr>
+                                        <p:cTn id="12" dur="1" fill="hold"/>
+                                        <p:tgtEl>
+                                          <p:spTgt spid="4"/>
+                                        </p:tgtEl>
+                                      </p:cBhvr>
+                                    </p:cmd>
+                                  </p:childTnLst>
+                                </p:cTn>
+                              </p:par>
+                            </p:childTnLst>
+                          </p:cTn>
+                        </p:par>
+                      </p:childTnLst>
+                    </p:cTn>
+                  </p:par>
+                </p:childTnLst>
+              </p:cTn>
+              <p:nextCondLst>
+                <p:cond evt="onClick" delay="0">
+                  <p:tgtEl>
+                    <p:spTgt spid="4"/>
+                  </p:tgtEl>
+                </p:cond>
+              </p:nextCondLst>
+            </p:seq>
+          </p:childTnLst>
+        </p:cTn>
+      </p:par>
+    </p:tnLst>
+  </p:timing>
 </p:sld>
 </file>
 
@@ -6849,7 +8220,7 @@
           <p:cNvPr id="2" name="Titel 1">
             <a:extLst>
               <a:ext uri="{FF2B5EF4-FFF2-40B4-BE49-F238E27FC236}">
-                <a16:creationId xmlns:a16="http://schemas.microsoft.com/office/drawing/2014/main" id="{6D1A82BD-D066-4256-8A94-581FFA29F60C}"/>
+                <a16:creationId xmlns:a16="http://schemas.microsoft.com/office/drawing/2014/main" id="{90FC6404-4EFD-4A53-99BE-341E4572A41C}"/>
               </a:ext>
             </a:extLst>
           </p:cNvPr>
@@ -6866,8 +8237,8 @@
           <a:lstStyle/>
           <a:p>
             <a:r>
-              <a:rPr lang="en-GB" dirty="0"/>
-              <a:t>RF design</a:t>
+              <a:rPr lang="en-GB" dirty="0" err="1"/>
+              <a:t>Padstack</a:t>
             </a:r>
             <a:endParaRPr lang="LID4096" dirty="0"/>
           </a:p>
@@ -6878,7 +8249,7 @@
           <p:cNvPr id="3" name="Pladsholder til indhold 2">
             <a:extLst>
               <a:ext uri="{FF2B5EF4-FFF2-40B4-BE49-F238E27FC236}">
-                <a16:creationId xmlns:a16="http://schemas.microsoft.com/office/drawing/2014/main" id="{21851D85-55A3-4D57-834D-DC561542E684}"/>
+                <a16:creationId xmlns:a16="http://schemas.microsoft.com/office/drawing/2014/main" id="{6BC3B2B1-B323-494F-9736-6F831D13D32D}"/>
               </a:ext>
             </a:extLst>
           </p:cNvPr>
@@ -6894,105 +8265,21 @@
           <a:bodyPr/>
           <a:lstStyle/>
           <a:p>
-            <a:pPr marL="0" indent="0">
-              <a:buNone/>
-            </a:pPr>
-            <a:r>
-              <a:rPr lang="en-GB" sz="2400" b="1" dirty="0"/>
-              <a:t>5 </a:t>
-            </a:r>
-            <a:r>
-              <a:rPr lang="en-GB" sz="2400" b="1" dirty="0" err="1"/>
-              <a:t>Regler</a:t>
-            </a:r>
-            <a:r>
-              <a:rPr lang="en-GB" sz="2400" b="1" dirty="0"/>
-              <a:t> for </a:t>
-            </a:r>
-            <a:r>
-              <a:rPr lang="en-GB" sz="2400" b="1" dirty="0" err="1"/>
-              <a:t>nem</a:t>
-            </a:r>
-            <a:r>
-              <a:rPr lang="en-GB" sz="2400" b="1" dirty="0"/>
-              <a:t> RF design</a:t>
+            <a:r>
+              <a:rPr lang="en-GB" dirty="0"/>
+              <a:t>Shape</a:t>
+            </a:r>
+          </a:p>
+          <a:p>
+            <a:r>
+              <a:rPr lang="en-GB" dirty="0"/>
+              <a:t>Type</a:t>
             </a:r>
           </a:p>
           <a:p>
             <a:r>
               <a:rPr lang="en-GB" dirty="0" err="1"/>
-              <a:t>Brug</a:t>
-            </a:r>
-            <a:r>
-              <a:rPr lang="en-GB" dirty="0"/>
-              <a:t> 4 lags print</a:t>
-            </a:r>
-          </a:p>
-          <a:p>
-            <a:r>
-              <a:rPr lang="en-GB" dirty="0" err="1"/>
-              <a:t>Integreret</a:t>
-            </a:r>
-            <a:r>
-              <a:rPr lang="en-GB" dirty="0"/>
-              <a:t>/</a:t>
-            </a:r>
-            <a:r>
-              <a:rPr lang="en-GB" dirty="0" err="1"/>
-              <a:t>små</a:t>
-            </a:r>
-            <a:r>
-              <a:rPr lang="en-GB" dirty="0"/>
-              <a:t> </a:t>
-            </a:r>
-            <a:r>
-              <a:rPr lang="en-GB" dirty="0" err="1"/>
-              <a:t>komponenter</a:t>
-            </a:r>
-            <a:endParaRPr lang="en-GB" dirty="0"/>
-          </a:p>
-          <a:p>
-            <a:r>
-              <a:rPr lang="en-GB" dirty="0"/>
-              <a:t>50Ω </a:t>
-            </a:r>
-            <a:r>
-              <a:rPr lang="en-GB" dirty="0" err="1"/>
-              <a:t>overalt</a:t>
-            </a:r>
-            <a:endParaRPr lang="en-GB" dirty="0"/>
-          </a:p>
-          <a:p>
-            <a:r>
-              <a:rPr lang="en-GB" dirty="0" err="1"/>
-              <a:t>Følg</a:t>
-            </a:r>
-            <a:r>
-              <a:rPr lang="en-GB" dirty="0"/>
-              <a:t> </a:t>
-            </a:r>
-            <a:r>
-              <a:rPr lang="en-GB" dirty="0" err="1"/>
-              <a:t>fabrikantens</a:t>
-            </a:r>
-            <a:r>
-              <a:rPr lang="en-GB" dirty="0"/>
-              <a:t> </a:t>
-            </a:r>
-            <a:r>
-              <a:rPr lang="en-GB" dirty="0" err="1"/>
-              <a:t>anbefallinger</a:t>
-            </a:r>
-            <a:endParaRPr lang="en-GB" dirty="0"/>
-          </a:p>
-          <a:p>
-            <a:r>
-              <a:rPr lang="en-GB" dirty="0"/>
-              <a:t>Route RF </a:t>
-            </a:r>
-            <a:r>
-              <a:rPr lang="en-GB" dirty="0" err="1"/>
-              <a:t>først</a:t>
+              <a:t>Silkemask</a:t>
             </a:r>
             <a:endParaRPr lang="LID4096" dirty="0"/>
           </a:p>
@@ -7000,55 +8287,38 @@
       </p:sp>
       <p:pic>
         <p:nvPicPr>
-          <p:cNvPr id="1026" name="Picture 2" descr="Billedresultat for cc1110">
+          <p:cNvPr id="9" name="Billede 8">
             <a:extLst>
               <a:ext uri="{FF2B5EF4-FFF2-40B4-BE49-F238E27FC236}">
-                <a16:creationId xmlns:a16="http://schemas.microsoft.com/office/drawing/2014/main" id="{E4F88379-D422-4729-A55F-12B83DDA4BC6}"/>
+                <a16:creationId xmlns:a16="http://schemas.microsoft.com/office/drawing/2014/main" id="{567512F3-1813-4425-8DFA-C5FCB2B897C1}"/>
               </a:ext>
             </a:extLst>
           </p:cNvPr>
           <p:cNvPicPr>
-            <a:picLocks noChangeAspect="1" noChangeArrowheads="1"/>
+            <a:picLocks noChangeAspect="1"/>
           </p:cNvPicPr>
           <p:nvPr/>
         </p:nvPicPr>
         <p:blipFill>
-          <a:blip r:embed="rId2">
-            <a:extLst>
-              <a:ext uri="{28A0092B-C50C-407E-A947-70E740481C1C}">
-                <a14:useLocalDpi xmlns:a14="http://schemas.microsoft.com/office/drawing/2010/main" val="0"/>
-              </a:ext>
-            </a:extLst>
-          </a:blip>
-          <a:srcRect/>
+          <a:blip r:embed="rId2"/>
           <a:stretch>
             <a:fillRect/>
           </a:stretch>
         </p:blipFill>
-        <p:spPr bwMode="auto">
-          <a:xfrm>
-            <a:off x="6805913" y="3018285"/>
-            <a:ext cx="4876800" cy="3200400"/>
+        <p:spPr>
+          <a:xfrm>
+            <a:off x="6377484" y="3277056"/>
+            <a:ext cx="5497008" cy="3047088"/>
           </a:xfrm>
           <a:prstGeom prst="rect">
             <a:avLst/>
           </a:prstGeom>
-          <a:noFill/>
-          <a:extLst>
-            <a:ext uri="{909E8E84-426E-40DD-AFC4-6F175D3DCCD1}">
-              <a14:hiddenFill xmlns:a14="http://schemas.microsoft.com/office/drawing/2010/main">
-                <a:solidFill>
-                  <a:srgbClr val="FFFFFF"/>
-                </a:solidFill>
-              </a14:hiddenFill>
-            </a:ext>
-          </a:extLst>
         </p:spPr>
       </p:pic>
     </p:spTree>
     <p:extLst>
       <p:ext uri="{BB962C8B-B14F-4D97-AF65-F5344CB8AC3E}">
-        <p14:creationId xmlns:p14="http://schemas.microsoft.com/office/powerpoint/2010/main" val="2811634054"/>
+        <p14:creationId xmlns:p14="http://schemas.microsoft.com/office/powerpoint/2010/main" val="3867261761"/>
       </p:ext>
     </p:extLst>
   </p:cSld>
@@ -7080,7 +8350,7 @@
           <p:cNvPr id="2" name="Titel 1">
             <a:extLst>
               <a:ext uri="{FF2B5EF4-FFF2-40B4-BE49-F238E27FC236}">
-                <a16:creationId xmlns:a16="http://schemas.microsoft.com/office/drawing/2014/main" id="{DF9F17B7-640F-4E1C-834C-F2BF97B1A0AD}"/>
+                <a16:creationId xmlns:a16="http://schemas.microsoft.com/office/drawing/2014/main" id="{891F281A-E0EE-4DDD-B03B-AA879024A6E1}"/>
               </a:ext>
             </a:extLst>
           </p:cNvPr>
@@ -7098,7 +8368,7 @@
           <a:p>
             <a:r>
               <a:rPr lang="en-GB" dirty="0" err="1"/>
-              <a:t>Kontrolleret</a:t>
+              <a:t>Routning</a:t>
             </a:r>
             <a:r>
               <a:rPr lang="en-GB" dirty="0"/>
@@ -7106,7 +8376,15 @@
             </a:r>
             <a:r>
               <a:rPr lang="en-GB" dirty="0" err="1"/>
-              <a:t>impedans</a:t>
+              <a:t>af</a:t>
+            </a:r>
+            <a:r>
+              <a:rPr lang="en-GB" dirty="0"/>
+              <a:t> </a:t>
+            </a:r>
+            <a:r>
+              <a:rPr lang="en-GB" dirty="0" err="1"/>
+              <a:t>baner</a:t>
             </a:r>
             <a:endParaRPr lang="LID4096" dirty="0"/>
           </a:p>
@@ -7117,7 +8395,7 @@
           <p:cNvPr id="3" name="Pladsholder til indhold 2">
             <a:extLst>
               <a:ext uri="{FF2B5EF4-FFF2-40B4-BE49-F238E27FC236}">
-                <a16:creationId xmlns:a16="http://schemas.microsoft.com/office/drawing/2014/main" id="{76B69CE6-EC16-44F5-8456-45627545E557}"/>
+                <a16:creationId xmlns:a16="http://schemas.microsoft.com/office/drawing/2014/main" id="{F842DC5F-62E3-44BD-BF35-4AAD0488595B}"/>
               </a:ext>
             </a:extLst>
           </p:cNvPr>
@@ -7135,7 +8413,7 @@
           <a:p>
             <a:r>
               <a:rPr lang="en-GB" dirty="0" err="1"/>
-              <a:t>Kritisk</a:t>
+              <a:t>Enkelt</a:t>
             </a:r>
             <a:r>
               <a:rPr lang="en-GB" dirty="0"/>
@@ -7143,26 +8421,14 @@
             </a:r>
             <a:r>
               <a:rPr lang="en-GB" dirty="0" err="1"/>
-              <a:t>længde</a:t>
+              <a:t>baner</a:t>
             </a:r>
             <a:endParaRPr lang="en-GB" dirty="0"/>
           </a:p>
           <a:p>
             <a:r>
-              <a:rPr lang="en-GB" dirty="0"/>
-              <a:t>Microstrip/</a:t>
-            </a:r>
-            <a:r>
               <a:rPr lang="en-GB" dirty="0" err="1"/>
-              <a:t>Stripline</a:t>
-            </a:r>
-            <a:r>
-              <a:rPr lang="en-GB" dirty="0"/>
-              <a:t> (</a:t>
-            </a:r>
-            <a:r>
-              <a:rPr lang="en-GB" dirty="0" err="1"/>
-              <a:t>antenner</a:t>
+              <a:t>Balanceret</a:t>
             </a:r>
             <a:r>
               <a:rPr lang="en-GB" dirty="0"/>
@@ -7170,96 +8436,16 @@
             </a:r>
             <a:r>
               <a:rPr lang="en-GB" dirty="0" err="1"/>
-              <a:t>m.m.</a:t>
-            </a:r>
-            <a:r>
-              <a:rPr lang="en-GB" dirty="0"/>
-              <a:t>) </a:t>
-            </a:r>
-            <a:r>
-              <a:rPr lang="en-GB" dirty="0">
-                <a:hlinkClick r:id="rId2"/>
-              </a:rPr>
-              <a:t>https://cart.jlcpcb.com/impedanceCalculation</a:t>
-            </a:r>
-            <a:endParaRPr lang="en-GB" dirty="0"/>
-          </a:p>
-          <a:p>
-            <a:r>
-              <a:rPr lang="en-GB" dirty="0"/>
-              <a:t>Pad-to-Trace</a:t>
-            </a:r>
-          </a:p>
-          <a:p>
-            <a:r>
-              <a:rPr lang="en-GB" dirty="0" err="1"/>
-              <a:t>Clearende</a:t>
-            </a:r>
-            <a:endParaRPr lang="en-GB" dirty="0"/>
-          </a:p>
-          <a:p>
-            <a:r>
-              <a:rPr lang="en-GB" dirty="0" err="1"/>
-              <a:t>Balanceret</a:t>
-            </a:r>
-            <a:r>
-              <a:rPr lang="en-GB" dirty="0"/>
-              <a:t> par (</a:t>
-            </a:r>
-            <a:r>
-              <a:rPr lang="en-GB" dirty="0" err="1"/>
-              <a:t>usb</a:t>
-            </a:r>
-            <a:r>
-              <a:rPr lang="en-GB" dirty="0"/>
-              <a:t> </a:t>
-            </a:r>
-            <a:r>
-              <a:rPr lang="en-GB" dirty="0" err="1"/>
-              <a:t>m.m.</a:t>
-            </a:r>
-            <a:r>
-              <a:rPr lang="en-GB" dirty="0"/>
-              <a:t>)</a:t>
+              <a:t>signaler</a:t>
             </a:r>
             <a:endParaRPr lang="LID4096" dirty="0"/>
           </a:p>
         </p:txBody>
       </p:sp>
-      <p:pic>
-        <p:nvPicPr>
-          <p:cNvPr id="5" name="Billede 4">
-            <a:extLst>
-              <a:ext uri="{FF2B5EF4-FFF2-40B4-BE49-F238E27FC236}">
-                <a16:creationId xmlns:a16="http://schemas.microsoft.com/office/drawing/2014/main" id="{FB8E358A-D1F9-497A-8079-A9CF53C3CA93}"/>
-              </a:ext>
-            </a:extLst>
-          </p:cNvPr>
-          <p:cNvPicPr>
-            <a:picLocks noChangeAspect="1"/>
-          </p:cNvPicPr>
-          <p:nvPr/>
-        </p:nvPicPr>
-        <p:blipFill>
-          <a:blip r:embed="rId3"/>
-          <a:stretch>
-            <a:fillRect/>
-          </a:stretch>
-        </p:blipFill>
-        <p:spPr>
-          <a:xfrm>
-            <a:off x="6095999" y="3429000"/>
-            <a:ext cx="5934985" cy="3429000"/>
-          </a:xfrm>
-          <a:prstGeom prst="rect">
-            <a:avLst/>
-          </a:prstGeom>
-        </p:spPr>
-      </p:pic>
     </p:spTree>
     <p:extLst>
       <p:ext uri="{BB962C8B-B14F-4D97-AF65-F5344CB8AC3E}">
-        <p14:creationId xmlns:p14="http://schemas.microsoft.com/office/powerpoint/2010/main" val="1320795711"/>
+        <p14:creationId xmlns:p14="http://schemas.microsoft.com/office/powerpoint/2010/main" val="3942868684"/>
       </p:ext>
     </p:extLst>
   </p:cSld>

--- a/Kicad PCB.pptx
+++ b/Kicad PCB.pptx
@@ -9,18 +9,14 @@
     <p:sldId id="258" r:id="rId3"/>
     <p:sldId id="267" r:id="rId4"/>
     <p:sldId id="261" r:id="rId5"/>
-    <p:sldId id="268" r:id="rId6"/>
-    <p:sldId id="260" r:id="rId7"/>
-    <p:sldId id="272" r:id="rId8"/>
-    <p:sldId id="259" r:id="rId9"/>
-    <p:sldId id="262" r:id="rId10"/>
-    <p:sldId id="263" r:id="rId11"/>
-    <p:sldId id="266" r:id="rId12"/>
-    <p:sldId id="271" r:id="rId13"/>
-    <p:sldId id="264" r:id="rId14"/>
-    <p:sldId id="270" r:id="rId15"/>
-    <p:sldId id="265" r:id="rId16"/>
-    <p:sldId id="269" r:id="rId17"/>
+    <p:sldId id="260" r:id="rId6"/>
+    <p:sldId id="272" r:id="rId7"/>
+    <p:sldId id="266" r:id="rId8"/>
+    <p:sldId id="271" r:id="rId9"/>
+    <p:sldId id="264" r:id="rId10"/>
+    <p:sldId id="270" r:id="rId11"/>
+    <p:sldId id="265" r:id="rId12"/>
+    <p:sldId id="269" r:id="rId13"/>
   </p:sldIdLst>
   <p:sldSz cx="12192000" cy="6858000"/>
   <p:notesSz cx="6858000" cy="9144000"/>
@@ -5976,726 +5972,6 @@
           <a:chExt cx="0" cy="0"/>
         </a:xfrm>
       </p:grpSpPr>
-      <p:sp>
-        <p:nvSpPr>
-          <p:cNvPr id="2" name="Titel 1">
-            <a:extLst>
-              <a:ext uri="{FF2B5EF4-FFF2-40B4-BE49-F238E27FC236}">
-                <a16:creationId xmlns:a16="http://schemas.microsoft.com/office/drawing/2014/main" id="{0E0F7945-6A08-4261-964E-38FF0DEA0F3C}"/>
-              </a:ext>
-            </a:extLst>
-          </p:cNvPr>
-          <p:cNvSpPr>
-            <a:spLocks noGrp="1"/>
-          </p:cNvSpPr>
-          <p:nvPr>
-            <p:ph type="title"/>
-          </p:nvPr>
-        </p:nvSpPr>
-        <p:spPr/>
-        <p:txBody>
-          <a:bodyPr/>
-          <a:lstStyle/>
-          <a:p>
-            <a:r>
-              <a:rPr lang="en-GB" dirty="0"/>
-              <a:t>Fill</a:t>
-            </a:r>
-            <a:endParaRPr lang="LID4096" dirty="0"/>
-          </a:p>
-        </p:txBody>
-      </p:sp>
-      <p:sp>
-        <p:nvSpPr>
-          <p:cNvPr id="3" name="Pladsholder til indhold 2">
-            <a:extLst>
-              <a:ext uri="{FF2B5EF4-FFF2-40B4-BE49-F238E27FC236}">
-                <a16:creationId xmlns:a16="http://schemas.microsoft.com/office/drawing/2014/main" id="{B9B58C02-2A93-4E1A-9135-13A3C16BEF7B}"/>
-              </a:ext>
-            </a:extLst>
-          </p:cNvPr>
-          <p:cNvSpPr>
-            <a:spLocks noGrp="1"/>
-          </p:cNvSpPr>
-          <p:nvPr>
-            <p:ph idx="1"/>
-          </p:nvPr>
-        </p:nvSpPr>
-        <p:spPr/>
-        <p:txBody>
-          <a:bodyPr/>
-          <a:lstStyle/>
-          <a:p>
-            <a:r>
-              <a:rPr lang="en-GB" dirty="0"/>
-              <a:t>X Layer board</a:t>
-            </a:r>
-            <a:endParaRPr lang="LID4096" dirty="0"/>
-          </a:p>
-        </p:txBody>
-      </p:sp>
-    </p:spTree>
-    <p:extLst>
-      <p:ext uri="{BB962C8B-B14F-4D97-AF65-F5344CB8AC3E}">
-        <p14:creationId xmlns:p14="http://schemas.microsoft.com/office/powerpoint/2010/main" val="1264967355"/>
-      </p:ext>
-    </p:extLst>
-  </p:cSld>
-  <p:clrMapOvr>
-    <a:masterClrMapping/>
-  </p:clrMapOvr>
-</p:sld>
-</file>
-
-<file path=ppt/slides/slide11.xml><?xml version="1.0" encoding="utf-8"?>
-<p:sld xmlns:a="http://schemas.openxmlformats.org/drawingml/2006/main" xmlns:r="http://schemas.openxmlformats.org/officeDocument/2006/relationships" xmlns:p="http://schemas.openxmlformats.org/presentationml/2006/main">
-  <p:cSld>
-    <p:spTree>
-      <p:nvGrpSpPr>
-        <p:cNvPr id="1" name=""/>
-        <p:cNvGrpSpPr/>
-        <p:nvPr/>
-      </p:nvGrpSpPr>
-      <p:grpSpPr>
-        <a:xfrm>
-          <a:off x="0" y="0"/>
-          <a:ext cx="0" cy="0"/>
-          <a:chOff x="0" y="0"/>
-          <a:chExt cx="0" cy="0"/>
-        </a:xfrm>
-      </p:grpSpPr>
-      <p:sp>
-        <p:nvSpPr>
-          <p:cNvPr id="2" name="Titel 1">
-            <a:extLst>
-              <a:ext uri="{FF2B5EF4-FFF2-40B4-BE49-F238E27FC236}">
-                <a16:creationId xmlns:a16="http://schemas.microsoft.com/office/drawing/2014/main" id="{6D1A82BD-D066-4256-8A94-581FFA29F60C}"/>
-              </a:ext>
-            </a:extLst>
-          </p:cNvPr>
-          <p:cNvSpPr>
-            <a:spLocks noGrp="1"/>
-          </p:cNvSpPr>
-          <p:nvPr>
-            <p:ph type="title"/>
-          </p:nvPr>
-        </p:nvSpPr>
-        <p:spPr/>
-        <p:txBody>
-          <a:bodyPr/>
-          <a:lstStyle/>
-          <a:p>
-            <a:r>
-              <a:rPr lang="en-GB" dirty="0"/>
-              <a:t>RF design</a:t>
-            </a:r>
-            <a:endParaRPr lang="LID4096" dirty="0"/>
-          </a:p>
-        </p:txBody>
-      </p:sp>
-      <p:sp>
-        <p:nvSpPr>
-          <p:cNvPr id="3" name="Pladsholder til indhold 2">
-            <a:extLst>
-              <a:ext uri="{FF2B5EF4-FFF2-40B4-BE49-F238E27FC236}">
-                <a16:creationId xmlns:a16="http://schemas.microsoft.com/office/drawing/2014/main" id="{21851D85-55A3-4D57-834D-DC561542E684}"/>
-              </a:ext>
-            </a:extLst>
-          </p:cNvPr>
-          <p:cNvSpPr>
-            <a:spLocks noGrp="1"/>
-          </p:cNvSpPr>
-          <p:nvPr>
-            <p:ph idx="1"/>
-          </p:nvPr>
-        </p:nvSpPr>
-        <p:spPr/>
-        <p:txBody>
-          <a:bodyPr/>
-          <a:lstStyle/>
-          <a:p>
-            <a:pPr marL="0" indent="0">
-              <a:buNone/>
-            </a:pPr>
-            <a:r>
-              <a:rPr lang="en-GB" sz="2400" b="1" dirty="0"/>
-              <a:t>5 </a:t>
-            </a:r>
-            <a:r>
-              <a:rPr lang="en-GB" sz="2400" b="1" dirty="0" err="1"/>
-              <a:t>Regler</a:t>
-            </a:r>
-            <a:r>
-              <a:rPr lang="en-GB" sz="2400" b="1" dirty="0"/>
-              <a:t> for </a:t>
-            </a:r>
-            <a:r>
-              <a:rPr lang="en-GB" sz="2400" b="1" dirty="0" err="1"/>
-              <a:t>nem</a:t>
-            </a:r>
-            <a:r>
-              <a:rPr lang="en-GB" sz="2400" b="1" dirty="0"/>
-              <a:t> RF design</a:t>
-            </a:r>
-          </a:p>
-          <a:p>
-            <a:r>
-              <a:rPr lang="en-GB" dirty="0" err="1"/>
-              <a:t>Brug</a:t>
-            </a:r>
-            <a:r>
-              <a:rPr lang="en-GB" dirty="0"/>
-              <a:t> 4 lags print</a:t>
-            </a:r>
-          </a:p>
-          <a:p>
-            <a:r>
-              <a:rPr lang="en-GB" dirty="0" err="1"/>
-              <a:t>Integreret</a:t>
-            </a:r>
-            <a:r>
-              <a:rPr lang="en-GB" dirty="0"/>
-              <a:t>/</a:t>
-            </a:r>
-            <a:r>
-              <a:rPr lang="en-GB" dirty="0" err="1"/>
-              <a:t>små</a:t>
-            </a:r>
-            <a:r>
-              <a:rPr lang="en-GB" dirty="0"/>
-              <a:t> </a:t>
-            </a:r>
-            <a:r>
-              <a:rPr lang="en-GB" dirty="0" err="1"/>
-              <a:t>komponenter</a:t>
-            </a:r>
-            <a:endParaRPr lang="en-GB" dirty="0"/>
-          </a:p>
-          <a:p>
-            <a:r>
-              <a:rPr lang="en-GB" dirty="0"/>
-              <a:t>50Ω </a:t>
-            </a:r>
-            <a:r>
-              <a:rPr lang="en-GB" dirty="0" err="1"/>
-              <a:t>overalt</a:t>
-            </a:r>
-            <a:endParaRPr lang="en-GB" dirty="0"/>
-          </a:p>
-          <a:p>
-            <a:r>
-              <a:rPr lang="en-GB" dirty="0" err="1"/>
-              <a:t>Følg</a:t>
-            </a:r>
-            <a:r>
-              <a:rPr lang="en-GB" dirty="0"/>
-              <a:t> </a:t>
-            </a:r>
-            <a:r>
-              <a:rPr lang="en-GB" dirty="0" err="1"/>
-              <a:t>fabrikantens</a:t>
-            </a:r>
-            <a:r>
-              <a:rPr lang="en-GB" dirty="0"/>
-              <a:t> </a:t>
-            </a:r>
-            <a:r>
-              <a:rPr lang="en-GB" dirty="0" err="1"/>
-              <a:t>anbefallinger</a:t>
-            </a:r>
-            <a:endParaRPr lang="en-GB" dirty="0"/>
-          </a:p>
-          <a:p>
-            <a:r>
-              <a:rPr lang="en-GB" dirty="0"/>
-              <a:t>Route RF </a:t>
-            </a:r>
-            <a:r>
-              <a:rPr lang="en-GB" dirty="0" err="1"/>
-              <a:t>først</a:t>
-            </a:r>
-            <a:endParaRPr lang="LID4096" dirty="0"/>
-          </a:p>
-        </p:txBody>
-      </p:sp>
-      <p:pic>
-        <p:nvPicPr>
-          <p:cNvPr id="1026" name="Picture 2" descr="Billedresultat for cc1110">
-            <a:extLst>
-              <a:ext uri="{FF2B5EF4-FFF2-40B4-BE49-F238E27FC236}">
-                <a16:creationId xmlns:a16="http://schemas.microsoft.com/office/drawing/2014/main" id="{E4F88379-D422-4729-A55F-12B83DDA4BC6}"/>
-              </a:ext>
-            </a:extLst>
-          </p:cNvPr>
-          <p:cNvPicPr>
-            <a:picLocks noChangeAspect="1" noChangeArrowheads="1"/>
-          </p:cNvPicPr>
-          <p:nvPr/>
-        </p:nvPicPr>
-        <p:blipFill>
-          <a:blip r:embed="rId2">
-            <a:extLst>
-              <a:ext uri="{28A0092B-C50C-407E-A947-70E740481C1C}">
-                <a14:useLocalDpi xmlns:a14="http://schemas.microsoft.com/office/drawing/2010/main" val="0"/>
-              </a:ext>
-            </a:extLst>
-          </a:blip>
-          <a:srcRect/>
-          <a:stretch>
-            <a:fillRect/>
-          </a:stretch>
-        </p:blipFill>
-        <p:spPr bwMode="auto">
-          <a:xfrm>
-            <a:off x="6805913" y="3018285"/>
-            <a:ext cx="4876800" cy="3200400"/>
-          </a:xfrm>
-          <a:prstGeom prst="rect">
-            <a:avLst/>
-          </a:prstGeom>
-          <a:noFill/>
-          <a:extLst>
-            <a:ext uri="{909E8E84-426E-40DD-AFC4-6F175D3DCCD1}">
-              <a14:hiddenFill xmlns:a14="http://schemas.microsoft.com/office/drawing/2010/main">
-                <a:solidFill>
-                  <a:srgbClr val="FFFFFF"/>
-                </a:solidFill>
-              </a14:hiddenFill>
-            </a:ext>
-          </a:extLst>
-        </p:spPr>
-      </p:pic>
-    </p:spTree>
-    <p:extLst>
-      <p:ext uri="{BB962C8B-B14F-4D97-AF65-F5344CB8AC3E}">
-        <p14:creationId xmlns:p14="http://schemas.microsoft.com/office/powerpoint/2010/main" val="2811634054"/>
-      </p:ext>
-    </p:extLst>
-  </p:cSld>
-  <p:clrMapOvr>
-    <a:masterClrMapping/>
-  </p:clrMapOvr>
-</p:sld>
-</file>
-
-<file path=ppt/slides/slide12.xml><?xml version="1.0" encoding="utf-8"?>
-<p:sld xmlns:a="http://schemas.openxmlformats.org/drawingml/2006/main" xmlns:r="http://schemas.openxmlformats.org/officeDocument/2006/relationships" xmlns:p="http://schemas.openxmlformats.org/presentationml/2006/main">
-  <p:cSld>
-    <p:spTree>
-      <p:nvGrpSpPr>
-        <p:cNvPr id="1" name=""/>
-        <p:cNvGrpSpPr/>
-        <p:nvPr/>
-      </p:nvGrpSpPr>
-      <p:grpSpPr>
-        <a:xfrm>
-          <a:off x="0" y="0"/>
-          <a:ext cx="0" cy="0"/>
-          <a:chOff x="0" y="0"/>
-          <a:chExt cx="0" cy="0"/>
-        </a:xfrm>
-      </p:grpSpPr>
-      <p:pic>
-        <p:nvPicPr>
-          <p:cNvPr id="4" name="Onlinemedier 3" title="RF">
-            <a:hlinkClick r:id="" action="ppaction://media"/>
-            <a:extLst>
-              <a:ext uri="{FF2B5EF4-FFF2-40B4-BE49-F238E27FC236}">
-                <a16:creationId xmlns:a16="http://schemas.microsoft.com/office/drawing/2014/main" id="{A626E495-3A2B-4B25-AE81-5F0102A356FD}"/>
-              </a:ext>
-            </a:extLst>
-          </p:cNvPr>
-          <p:cNvPicPr>
-            <a:picLocks noRot="1" noChangeAspect="1"/>
-          </p:cNvPicPr>
-          <p:nvPr>
-            <a:videoFile r:link="rId1"/>
-          </p:nvPr>
-        </p:nvPicPr>
-        <p:blipFill>
-          <a:blip r:embed="rId3"/>
-          <a:stretch>
-            <a:fillRect/>
-          </a:stretch>
-        </p:blipFill>
-        <p:spPr>
-          <a:xfrm>
-            <a:off x="0" y="0"/>
-            <a:ext cx="12192000" cy="6858000"/>
-          </a:xfrm>
-          <a:prstGeom prst="rect">
-            <a:avLst/>
-          </a:prstGeom>
-        </p:spPr>
-      </p:pic>
-    </p:spTree>
-    <p:extLst>
-      <p:ext uri="{BB962C8B-B14F-4D97-AF65-F5344CB8AC3E}">
-        <p14:creationId xmlns:p14="http://schemas.microsoft.com/office/powerpoint/2010/main" val="2246524090"/>
-      </p:ext>
-    </p:extLst>
-  </p:cSld>
-  <p:clrMapOvr>
-    <a:masterClrMapping/>
-  </p:clrMapOvr>
-  <p:timing>
-    <p:tnLst>
-      <p:par>
-        <p:cTn id="1" dur="indefinite" restart="never" nodeType="tmRoot">
-          <p:childTnLst>
-            <p:seq concurrent="1" nextAc="seek">
-              <p:cTn id="2" dur="indefinite" nodeType="mainSeq">
-                <p:childTnLst>
-                  <p:par>
-                    <p:cTn id="3" fill="hold">
-                      <p:stCondLst>
-                        <p:cond delay="indefinite"/>
-                      </p:stCondLst>
-                      <p:childTnLst>
-                        <p:par>
-                          <p:cTn id="4" fill="hold">
-                            <p:stCondLst>
-                              <p:cond delay="0"/>
-                            </p:stCondLst>
-                            <p:childTnLst>
-                              <p:par>
-                                <p:cTn id="5" presetID="1" presetClass="mediacall" presetSubtype="0" fill="hold" nodeType="clickEffect">
-                                  <p:stCondLst>
-                                    <p:cond delay="0"/>
-                                  </p:stCondLst>
-                                  <p:childTnLst>
-                                    <p:cmd type="call" cmd="playFrom(0.0)">
-                                      <p:cBhvr>
-                                        <p:cTn id="6" dur="1" fill="hold"/>
-                                        <p:tgtEl>
-                                          <p:spTgt spid="4"/>
-                                        </p:tgtEl>
-                                      </p:cBhvr>
-                                    </p:cmd>
-                                  </p:childTnLst>
-                                </p:cTn>
-                              </p:par>
-                            </p:childTnLst>
-                          </p:cTn>
-                        </p:par>
-                      </p:childTnLst>
-                    </p:cTn>
-                  </p:par>
-                </p:childTnLst>
-              </p:cTn>
-              <p:prevCondLst>
-                <p:cond evt="onPrev" delay="0">
-                  <p:tgtEl>
-                    <p:sldTgt/>
-                  </p:tgtEl>
-                </p:cond>
-              </p:prevCondLst>
-              <p:nextCondLst>
-                <p:cond evt="onNext" delay="0">
-                  <p:tgtEl>
-                    <p:sldTgt/>
-                  </p:tgtEl>
-                </p:cond>
-              </p:nextCondLst>
-            </p:seq>
-            <p:video>
-              <p:cMediaNode vol="80000">
-                <p:cTn id="7" fill="hold" display="0">
-                  <p:stCondLst>
-                    <p:cond delay="indefinite"/>
-                  </p:stCondLst>
-                </p:cTn>
-                <p:tgtEl>
-                  <p:spTgt spid="4"/>
-                </p:tgtEl>
-              </p:cMediaNode>
-            </p:video>
-            <p:seq concurrent="1" nextAc="seek">
-              <p:cTn id="8" restart="whenNotActive" fill="hold" evtFilter="cancelBubble" nodeType="interactiveSeq">
-                <p:stCondLst>
-                  <p:cond evt="onClick" delay="0">
-                    <p:tgtEl>
-                      <p:spTgt spid="4"/>
-                    </p:tgtEl>
-                  </p:cond>
-                </p:stCondLst>
-                <p:endSync evt="end" delay="0">
-                  <p:rtn val="all"/>
-                </p:endSync>
-                <p:childTnLst>
-                  <p:par>
-                    <p:cTn id="9" fill="hold">
-                      <p:stCondLst>
-                        <p:cond delay="0"/>
-                      </p:stCondLst>
-                      <p:childTnLst>
-                        <p:par>
-                          <p:cTn id="10" fill="hold">
-                            <p:stCondLst>
-                              <p:cond delay="0"/>
-                            </p:stCondLst>
-                            <p:childTnLst>
-                              <p:par>
-                                <p:cTn id="11" presetID="2" presetClass="mediacall" presetSubtype="0" fill="hold" nodeType="clickEffect">
-                                  <p:stCondLst>
-                                    <p:cond delay="0"/>
-                                  </p:stCondLst>
-                                  <p:childTnLst>
-                                    <p:cmd type="call" cmd="togglePause">
-                                      <p:cBhvr>
-                                        <p:cTn id="12" dur="1" fill="hold"/>
-                                        <p:tgtEl>
-                                          <p:spTgt spid="4"/>
-                                        </p:tgtEl>
-                                      </p:cBhvr>
-                                    </p:cmd>
-                                  </p:childTnLst>
-                                </p:cTn>
-                              </p:par>
-                            </p:childTnLst>
-                          </p:cTn>
-                        </p:par>
-                      </p:childTnLst>
-                    </p:cTn>
-                  </p:par>
-                </p:childTnLst>
-              </p:cTn>
-              <p:nextCondLst>
-                <p:cond evt="onClick" delay="0">
-                  <p:tgtEl>
-                    <p:spTgt spid="4"/>
-                  </p:tgtEl>
-                </p:cond>
-              </p:nextCondLst>
-            </p:seq>
-          </p:childTnLst>
-        </p:cTn>
-      </p:par>
-    </p:tnLst>
-  </p:timing>
-</p:sld>
-</file>
-
-<file path=ppt/slides/slide13.xml><?xml version="1.0" encoding="utf-8"?>
-<p:sld xmlns:a="http://schemas.openxmlformats.org/drawingml/2006/main" xmlns:r="http://schemas.openxmlformats.org/officeDocument/2006/relationships" xmlns:p="http://schemas.openxmlformats.org/presentationml/2006/main">
-  <p:cSld>
-    <p:spTree>
-      <p:nvGrpSpPr>
-        <p:cNvPr id="1" name=""/>
-        <p:cNvGrpSpPr/>
-        <p:nvPr/>
-      </p:nvGrpSpPr>
-      <p:grpSpPr>
-        <a:xfrm>
-          <a:off x="0" y="0"/>
-          <a:ext cx="0" cy="0"/>
-          <a:chOff x="0" y="0"/>
-          <a:chExt cx="0" cy="0"/>
-        </a:xfrm>
-      </p:grpSpPr>
-      <p:sp>
-        <p:nvSpPr>
-          <p:cNvPr id="2" name="Titel 1">
-            <a:extLst>
-              <a:ext uri="{FF2B5EF4-FFF2-40B4-BE49-F238E27FC236}">
-                <a16:creationId xmlns:a16="http://schemas.microsoft.com/office/drawing/2014/main" id="{DF9F17B7-640F-4E1C-834C-F2BF97B1A0AD}"/>
-              </a:ext>
-            </a:extLst>
-          </p:cNvPr>
-          <p:cNvSpPr>
-            <a:spLocks noGrp="1"/>
-          </p:cNvSpPr>
-          <p:nvPr>
-            <p:ph type="title"/>
-          </p:nvPr>
-        </p:nvSpPr>
-        <p:spPr/>
-        <p:txBody>
-          <a:bodyPr/>
-          <a:lstStyle/>
-          <a:p>
-            <a:r>
-              <a:rPr lang="en-GB" dirty="0" err="1"/>
-              <a:t>Kontrolleret</a:t>
-            </a:r>
-            <a:r>
-              <a:rPr lang="en-GB" dirty="0"/>
-              <a:t> </a:t>
-            </a:r>
-            <a:r>
-              <a:rPr lang="en-GB" dirty="0" err="1"/>
-              <a:t>impedans</a:t>
-            </a:r>
-            <a:endParaRPr lang="LID4096" dirty="0"/>
-          </a:p>
-        </p:txBody>
-      </p:sp>
-      <p:sp>
-        <p:nvSpPr>
-          <p:cNvPr id="3" name="Pladsholder til indhold 2">
-            <a:extLst>
-              <a:ext uri="{FF2B5EF4-FFF2-40B4-BE49-F238E27FC236}">
-                <a16:creationId xmlns:a16="http://schemas.microsoft.com/office/drawing/2014/main" id="{76B69CE6-EC16-44F5-8456-45627545E557}"/>
-              </a:ext>
-            </a:extLst>
-          </p:cNvPr>
-          <p:cNvSpPr>
-            <a:spLocks noGrp="1"/>
-          </p:cNvSpPr>
-          <p:nvPr>
-            <p:ph idx="1"/>
-          </p:nvPr>
-        </p:nvSpPr>
-        <p:spPr/>
-        <p:txBody>
-          <a:bodyPr/>
-          <a:lstStyle/>
-          <a:p>
-            <a:r>
-              <a:rPr lang="en-GB" dirty="0" err="1"/>
-              <a:t>Kritisk</a:t>
-            </a:r>
-            <a:r>
-              <a:rPr lang="en-GB" dirty="0"/>
-              <a:t> </a:t>
-            </a:r>
-            <a:r>
-              <a:rPr lang="en-GB" dirty="0" err="1"/>
-              <a:t>længde</a:t>
-            </a:r>
-            <a:endParaRPr lang="en-GB" dirty="0"/>
-          </a:p>
-          <a:p>
-            <a:r>
-              <a:rPr lang="en-GB" dirty="0"/>
-              <a:t>Microstrip (</a:t>
-            </a:r>
-            <a:r>
-              <a:rPr lang="en-GB" dirty="0" err="1"/>
-              <a:t>antenner</a:t>
-            </a:r>
-            <a:r>
-              <a:rPr lang="en-GB" dirty="0"/>
-              <a:t> </a:t>
-            </a:r>
-            <a:r>
-              <a:rPr lang="en-GB" dirty="0" err="1"/>
-              <a:t>m.m.</a:t>
-            </a:r>
-            <a:r>
-              <a:rPr lang="en-GB" dirty="0"/>
-              <a:t>) </a:t>
-            </a:r>
-            <a:r>
-              <a:rPr lang="en-GB" dirty="0">
-                <a:hlinkClick r:id="rId2"/>
-              </a:rPr>
-              <a:t>https://cart.jlcpcb.com/impedanceCalculation</a:t>
-            </a:r>
-            <a:endParaRPr lang="en-GB" dirty="0"/>
-          </a:p>
-          <a:p>
-            <a:r>
-              <a:rPr lang="en-GB" dirty="0"/>
-              <a:t>Pad-to-Trace</a:t>
-            </a:r>
-          </a:p>
-          <a:p>
-            <a:r>
-              <a:rPr lang="en-GB" dirty="0" err="1"/>
-              <a:t>Clearende</a:t>
-            </a:r>
-            <a:endParaRPr lang="en-GB" dirty="0"/>
-          </a:p>
-          <a:p>
-            <a:r>
-              <a:rPr lang="en-GB" dirty="0" err="1"/>
-              <a:t>Balanceret</a:t>
-            </a:r>
-            <a:r>
-              <a:rPr lang="en-GB" dirty="0"/>
-              <a:t> par (</a:t>
-            </a:r>
-            <a:r>
-              <a:rPr lang="en-GB" dirty="0" err="1"/>
-              <a:t>usb</a:t>
-            </a:r>
-            <a:r>
-              <a:rPr lang="en-GB" dirty="0"/>
-              <a:t> </a:t>
-            </a:r>
-            <a:r>
-              <a:rPr lang="en-GB" dirty="0" err="1"/>
-              <a:t>m.m.</a:t>
-            </a:r>
-            <a:r>
-              <a:rPr lang="en-GB" dirty="0"/>
-              <a:t>)</a:t>
-            </a:r>
-            <a:endParaRPr lang="LID4096" dirty="0"/>
-          </a:p>
-        </p:txBody>
-      </p:sp>
-      <p:pic>
-        <p:nvPicPr>
-          <p:cNvPr id="5" name="Billede 4">
-            <a:extLst>
-              <a:ext uri="{FF2B5EF4-FFF2-40B4-BE49-F238E27FC236}">
-                <a16:creationId xmlns:a16="http://schemas.microsoft.com/office/drawing/2014/main" id="{FB8E358A-D1F9-497A-8079-A9CF53C3CA93}"/>
-              </a:ext>
-            </a:extLst>
-          </p:cNvPr>
-          <p:cNvPicPr>
-            <a:picLocks noChangeAspect="1"/>
-          </p:cNvPicPr>
-          <p:nvPr/>
-        </p:nvPicPr>
-        <p:blipFill>
-          <a:blip r:embed="rId3"/>
-          <a:stretch>
-            <a:fillRect/>
-          </a:stretch>
-        </p:blipFill>
-        <p:spPr>
-          <a:xfrm>
-            <a:off x="6095999" y="3429000"/>
-            <a:ext cx="5934985" cy="3429000"/>
-          </a:xfrm>
-          <a:prstGeom prst="rect">
-            <a:avLst/>
-          </a:prstGeom>
-        </p:spPr>
-      </p:pic>
-    </p:spTree>
-    <p:extLst>
-      <p:ext uri="{BB962C8B-B14F-4D97-AF65-F5344CB8AC3E}">
-        <p14:creationId xmlns:p14="http://schemas.microsoft.com/office/powerpoint/2010/main" val="1320795711"/>
-      </p:ext>
-    </p:extLst>
-  </p:cSld>
-  <p:clrMapOvr>
-    <a:masterClrMapping/>
-  </p:clrMapOvr>
-</p:sld>
-</file>
-
-<file path=ppt/slides/slide14.xml><?xml version="1.0" encoding="utf-8"?>
-<p:sld xmlns:a="http://schemas.openxmlformats.org/drawingml/2006/main" xmlns:r="http://schemas.openxmlformats.org/officeDocument/2006/relationships" xmlns:p="http://schemas.openxmlformats.org/presentationml/2006/main">
-  <p:cSld>
-    <p:spTree>
-      <p:nvGrpSpPr>
-        <p:cNvPr id="1" name=""/>
-        <p:cNvGrpSpPr/>
-        <p:nvPr/>
-      </p:nvGrpSpPr>
-      <p:grpSpPr>
-        <a:xfrm>
-          <a:off x="0" y="0"/>
-          <a:ext cx="0" cy="0"/>
-          <a:chOff x="0" y="0"/>
-          <a:chExt cx="0" cy="0"/>
-        </a:xfrm>
-      </p:grpSpPr>
       <p:pic>
         <p:nvPicPr>
           <p:cNvPr id="4" name="Onlinemedier 3" title="Kontrolleret imperdans incl billeder">
@@ -6877,7 +6153,7 @@
 </p:sld>
 </file>
 
-<file path=ppt/slides/slide15.xml><?xml version="1.0" encoding="utf-8"?>
+<file path=ppt/slides/slide11.xml><?xml version="1.0" encoding="utf-8"?>
 <p:sld xmlns:a="http://schemas.openxmlformats.org/drawingml/2006/main" xmlns:r="http://schemas.openxmlformats.org/officeDocument/2006/relationships" xmlns:p="http://schemas.openxmlformats.org/presentationml/2006/main">
   <p:cSld>
     <p:spTree>
@@ -6981,7 +6257,7 @@
 </p:sld>
 </file>
 
-<file path=ppt/slides/slide16.xml><?xml version="1.0" encoding="utf-8"?>
+<file path=ppt/slides/slide12.xml><?xml version="1.0" encoding="utf-8"?>
 <p:sld xmlns:a="http://schemas.openxmlformats.org/drawingml/2006/main" xmlns:r="http://schemas.openxmlformats.org/officeDocument/2006/relationships" xmlns:p="http://schemas.openxmlformats.org/presentationml/2006/main">
   <p:cSld>
     <p:spTree>
@@ -7361,11 +6637,11 @@
       </p:grpSpPr>
       <p:pic>
         <p:nvPicPr>
-          <p:cNvPr id="4" name="Onlinemedier 3" title="PcbImportAndLayout Shorten">
+          <p:cNvPr id="5" name="Onlinemedier 4" title="PcbImportAndLayout Shorten">
             <a:hlinkClick r:id="" action="ppaction://media"/>
             <a:extLst>
               <a:ext uri="{FF2B5EF4-FFF2-40B4-BE49-F238E27FC236}">
-                <a16:creationId xmlns:a16="http://schemas.microsoft.com/office/drawing/2014/main" id="{8E4BDD5F-27F6-4472-A191-88E2B9978DDA}"/>
+                <a16:creationId xmlns:a16="http://schemas.microsoft.com/office/drawing/2014/main" id="{BECEDCF8-70CA-4B11-999B-4AD7FA79A5D9}"/>
               </a:ext>
             </a:extLst>
           </p:cNvPr>
@@ -7385,7 +6661,7 @@
         <p:spPr>
           <a:xfrm>
             <a:off x="0" y="0"/>
-            <a:ext cx="12192000" cy="6858000"/>
+            <a:ext cx="12138053" cy="6858000"/>
           </a:xfrm>
           <a:prstGeom prst="rect">
             <a:avLst/>
@@ -7432,7 +6708,7 @@
                                       <p:cBhvr>
                                         <p:cTn id="6" dur="1" fill="hold"/>
                                         <p:tgtEl>
-                                          <p:spTgt spid="4"/>
+                                          <p:spTgt spid="5"/>
                                         </p:tgtEl>
                                       </p:cBhvr>
                                     </p:cmd>
@@ -7470,7 +6746,7 @@
                   </p:stCondLst>
                 </p:cTn>
                 <p:tgtEl>
-                  <p:spTgt spid="4"/>
+                  <p:spTgt spid="5"/>
                 </p:tgtEl>
               </p:cMediaNode>
             </p:video>
@@ -7479,7 +6755,7 @@
                 <p:stCondLst>
                   <p:cond evt="onClick" delay="0">
                     <p:tgtEl>
-                      <p:spTgt spid="4"/>
+                      <p:spTgt spid="5"/>
                     </p:tgtEl>
                   </p:cond>
                 </p:stCondLst>
@@ -7509,7 +6785,7 @@
                                       <p:cBhvr>
                                         <p:cTn id="12" dur="1" fill="hold"/>
                                         <p:tgtEl>
-                                          <p:spTgt spid="4"/>
+                                          <p:spTgt spid="5"/>
                                         </p:tgtEl>
                                       </p:cBhvr>
                                     </p:cmd>
@@ -7527,7 +6803,7 @@
               <p:nextCondLst>
                 <p:cond evt="onClick" delay="0">
                   <p:tgtEl>
-                    <p:spTgt spid="4"/>
+                    <p:spTgt spid="5"/>
                   </p:tgtEl>
                 </p:cond>
               </p:nextCondLst>
@@ -7699,204 +6975,6 @@
           <a:chExt cx="0" cy="0"/>
         </a:xfrm>
       </p:grpSpPr>
-      <p:pic>
-        <p:nvPicPr>
-          <p:cNvPr id="4" name="Onlinemedier 3" title="PcbImportAndLayout">
-            <a:hlinkClick r:id="" action="ppaction://media"/>
-            <a:extLst>
-              <a:ext uri="{FF2B5EF4-FFF2-40B4-BE49-F238E27FC236}">
-                <a16:creationId xmlns:a16="http://schemas.microsoft.com/office/drawing/2014/main" id="{E4CD3D90-971A-41A2-8E38-625C5AAD8BC4}"/>
-              </a:ext>
-            </a:extLst>
-          </p:cNvPr>
-          <p:cNvPicPr>
-            <a:picLocks noRot="1" noChangeAspect="1"/>
-          </p:cNvPicPr>
-          <p:nvPr>
-            <a:videoFile r:link="rId1"/>
-          </p:nvPr>
-        </p:nvPicPr>
-        <p:blipFill>
-          <a:blip r:embed="rId3"/>
-          <a:stretch>
-            <a:fillRect/>
-          </a:stretch>
-        </p:blipFill>
-        <p:spPr>
-          <a:xfrm>
-            <a:off x="0" y="0"/>
-            <a:ext cx="12192000" cy="6858000"/>
-          </a:xfrm>
-          <a:prstGeom prst="rect">
-            <a:avLst/>
-          </a:prstGeom>
-        </p:spPr>
-      </p:pic>
-    </p:spTree>
-    <p:extLst>
-      <p:ext uri="{BB962C8B-B14F-4D97-AF65-F5344CB8AC3E}">
-        <p14:creationId xmlns:p14="http://schemas.microsoft.com/office/powerpoint/2010/main" val="3630010189"/>
-      </p:ext>
-    </p:extLst>
-  </p:cSld>
-  <p:clrMapOvr>
-    <a:masterClrMapping/>
-  </p:clrMapOvr>
-  <p:timing>
-    <p:tnLst>
-      <p:par>
-        <p:cTn id="1" dur="indefinite" restart="never" nodeType="tmRoot">
-          <p:childTnLst>
-            <p:seq concurrent="1" nextAc="seek">
-              <p:cTn id="2" dur="indefinite" nodeType="mainSeq">
-                <p:childTnLst>
-                  <p:par>
-                    <p:cTn id="3" fill="hold">
-                      <p:stCondLst>
-                        <p:cond delay="indefinite"/>
-                      </p:stCondLst>
-                      <p:childTnLst>
-                        <p:par>
-                          <p:cTn id="4" fill="hold">
-                            <p:stCondLst>
-                              <p:cond delay="0"/>
-                            </p:stCondLst>
-                            <p:childTnLst>
-                              <p:par>
-                                <p:cTn id="5" presetID="1" presetClass="mediacall" presetSubtype="0" fill="hold" nodeType="clickEffect">
-                                  <p:stCondLst>
-                                    <p:cond delay="0"/>
-                                  </p:stCondLst>
-                                  <p:childTnLst>
-                                    <p:cmd type="call" cmd="playFrom(0.0)">
-                                      <p:cBhvr>
-                                        <p:cTn id="6" dur="1" fill="hold"/>
-                                        <p:tgtEl>
-                                          <p:spTgt spid="4"/>
-                                        </p:tgtEl>
-                                      </p:cBhvr>
-                                    </p:cmd>
-                                  </p:childTnLst>
-                                </p:cTn>
-                              </p:par>
-                            </p:childTnLst>
-                          </p:cTn>
-                        </p:par>
-                      </p:childTnLst>
-                    </p:cTn>
-                  </p:par>
-                </p:childTnLst>
-              </p:cTn>
-              <p:prevCondLst>
-                <p:cond evt="onPrev" delay="0">
-                  <p:tgtEl>
-                    <p:sldTgt/>
-                  </p:tgtEl>
-                </p:cond>
-              </p:prevCondLst>
-              <p:nextCondLst>
-                <p:cond evt="onNext" delay="0">
-                  <p:tgtEl>
-                    <p:sldTgt/>
-                  </p:tgtEl>
-                </p:cond>
-              </p:nextCondLst>
-            </p:seq>
-            <p:video>
-              <p:cMediaNode vol="80000">
-                <p:cTn id="7" fill="hold" display="0">
-                  <p:stCondLst>
-                    <p:cond delay="indefinite"/>
-                  </p:stCondLst>
-                </p:cTn>
-                <p:tgtEl>
-                  <p:spTgt spid="4"/>
-                </p:tgtEl>
-              </p:cMediaNode>
-            </p:video>
-            <p:seq concurrent="1" nextAc="seek">
-              <p:cTn id="8" restart="whenNotActive" fill="hold" evtFilter="cancelBubble" nodeType="interactiveSeq">
-                <p:stCondLst>
-                  <p:cond evt="onClick" delay="0">
-                    <p:tgtEl>
-                      <p:spTgt spid="4"/>
-                    </p:tgtEl>
-                  </p:cond>
-                </p:stCondLst>
-                <p:endSync evt="end" delay="0">
-                  <p:rtn val="all"/>
-                </p:endSync>
-                <p:childTnLst>
-                  <p:par>
-                    <p:cTn id="9" fill="hold">
-                      <p:stCondLst>
-                        <p:cond delay="0"/>
-                      </p:stCondLst>
-                      <p:childTnLst>
-                        <p:par>
-                          <p:cTn id="10" fill="hold">
-                            <p:stCondLst>
-                              <p:cond delay="0"/>
-                            </p:stCondLst>
-                            <p:childTnLst>
-                              <p:par>
-                                <p:cTn id="11" presetID="2" presetClass="mediacall" presetSubtype="0" fill="hold" nodeType="clickEffect">
-                                  <p:stCondLst>
-                                    <p:cond delay="0"/>
-                                  </p:stCondLst>
-                                  <p:childTnLst>
-                                    <p:cmd type="call" cmd="togglePause">
-                                      <p:cBhvr>
-                                        <p:cTn id="12" dur="1" fill="hold"/>
-                                        <p:tgtEl>
-                                          <p:spTgt spid="4"/>
-                                        </p:tgtEl>
-                                      </p:cBhvr>
-                                    </p:cmd>
-                                  </p:childTnLst>
-                                </p:cTn>
-                              </p:par>
-                            </p:childTnLst>
-                          </p:cTn>
-                        </p:par>
-                      </p:childTnLst>
-                    </p:cTn>
-                  </p:par>
-                </p:childTnLst>
-              </p:cTn>
-              <p:nextCondLst>
-                <p:cond evt="onClick" delay="0">
-                  <p:tgtEl>
-                    <p:spTgt spid="4"/>
-                  </p:tgtEl>
-                </p:cond>
-              </p:nextCondLst>
-            </p:seq>
-          </p:childTnLst>
-        </p:cTn>
-      </p:par>
-    </p:tnLst>
-  </p:timing>
-</p:sld>
-</file>
-
-<file path=ppt/slides/slide6.xml><?xml version="1.0" encoding="utf-8"?>
-<p:sld xmlns:a="http://schemas.openxmlformats.org/drawingml/2006/main" xmlns:r="http://schemas.openxmlformats.org/officeDocument/2006/relationships" xmlns:p="http://schemas.openxmlformats.org/presentationml/2006/main">
-  <p:cSld>
-    <p:spTree>
-      <p:nvGrpSpPr>
-        <p:cNvPr id="1" name=""/>
-        <p:cNvGrpSpPr/>
-        <p:nvPr/>
-      </p:nvGrpSpPr>
-      <p:grpSpPr>
-        <a:xfrm>
-          <a:off x="0" y="0"/>
-          <a:ext cx="0" cy="0"/>
-          <a:chOff x="0" y="0"/>
-          <a:chExt cx="0" cy="0"/>
-        </a:xfrm>
-      </p:grpSpPr>
       <p:sp>
         <p:nvSpPr>
           <p:cNvPr id="2" name="Titel 1">
@@ -8000,7 +7078,7 @@
 </p:sld>
 </file>
 
-<file path=ppt/slides/slide7.xml><?xml version="1.0" encoding="utf-8"?>
+<file path=ppt/slides/slide6.xml><?xml version="1.0" encoding="utf-8"?>
 <p:sld xmlns:a="http://schemas.openxmlformats.org/drawingml/2006/main" xmlns:r="http://schemas.openxmlformats.org/officeDocument/2006/relationships" xmlns:p="http://schemas.openxmlformats.org/presentationml/2006/main">
   <p:cSld>
     <p:spTree>
@@ -8198,6 +7276,237 @@
 </p:sld>
 </file>
 
+<file path=ppt/slides/slide7.xml><?xml version="1.0" encoding="utf-8"?>
+<p:sld xmlns:a="http://schemas.openxmlformats.org/drawingml/2006/main" xmlns:r="http://schemas.openxmlformats.org/officeDocument/2006/relationships" xmlns:p="http://schemas.openxmlformats.org/presentationml/2006/main">
+  <p:cSld>
+    <p:spTree>
+      <p:nvGrpSpPr>
+        <p:cNvPr id="1" name=""/>
+        <p:cNvGrpSpPr/>
+        <p:nvPr/>
+      </p:nvGrpSpPr>
+      <p:grpSpPr>
+        <a:xfrm>
+          <a:off x="0" y="0"/>
+          <a:ext cx="0" cy="0"/>
+          <a:chOff x="0" y="0"/>
+          <a:chExt cx="0" cy="0"/>
+        </a:xfrm>
+      </p:grpSpPr>
+      <p:sp>
+        <p:nvSpPr>
+          <p:cNvPr id="2" name="Titel 1">
+            <a:extLst>
+              <a:ext uri="{FF2B5EF4-FFF2-40B4-BE49-F238E27FC236}">
+                <a16:creationId xmlns:a16="http://schemas.microsoft.com/office/drawing/2014/main" id="{6D1A82BD-D066-4256-8A94-581FFA29F60C}"/>
+              </a:ext>
+            </a:extLst>
+          </p:cNvPr>
+          <p:cNvSpPr>
+            <a:spLocks noGrp="1"/>
+          </p:cNvSpPr>
+          <p:nvPr>
+            <p:ph type="title"/>
+          </p:nvPr>
+        </p:nvSpPr>
+        <p:spPr/>
+        <p:txBody>
+          <a:bodyPr/>
+          <a:lstStyle/>
+          <a:p>
+            <a:r>
+              <a:rPr lang="en-GB" dirty="0"/>
+              <a:t>RF design</a:t>
+            </a:r>
+            <a:endParaRPr lang="LID4096" dirty="0"/>
+          </a:p>
+        </p:txBody>
+      </p:sp>
+      <p:sp>
+        <p:nvSpPr>
+          <p:cNvPr id="3" name="Pladsholder til indhold 2">
+            <a:extLst>
+              <a:ext uri="{FF2B5EF4-FFF2-40B4-BE49-F238E27FC236}">
+                <a16:creationId xmlns:a16="http://schemas.microsoft.com/office/drawing/2014/main" id="{21851D85-55A3-4D57-834D-DC561542E684}"/>
+              </a:ext>
+            </a:extLst>
+          </p:cNvPr>
+          <p:cNvSpPr>
+            <a:spLocks noGrp="1"/>
+          </p:cNvSpPr>
+          <p:nvPr>
+            <p:ph idx="1"/>
+          </p:nvPr>
+        </p:nvSpPr>
+        <p:spPr/>
+        <p:txBody>
+          <a:bodyPr/>
+          <a:lstStyle/>
+          <a:p>
+            <a:pPr marL="0" indent="0">
+              <a:buNone/>
+            </a:pPr>
+            <a:r>
+              <a:rPr lang="en-GB" sz="2400" b="1" dirty="0"/>
+              <a:t>5 </a:t>
+            </a:r>
+            <a:r>
+              <a:rPr lang="en-GB" sz="2400" b="1" dirty="0" err="1"/>
+              <a:t>Regler</a:t>
+            </a:r>
+            <a:r>
+              <a:rPr lang="en-GB" sz="2400" b="1" dirty="0"/>
+              <a:t> for </a:t>
+            </a:r>
+            <a:r>
+              <a:rPr lang="en-GB" sz="2400" b="1" dirty="0" err="1"/>
+              <a:t>nem</a:t>
+            </a:r>
+            <a:r>
+              <a:rPr lang="en-GB" sz="2400" b="1" dirty="0"/>
+              <a:t> RF design</a:t>
+            </a:r>
+          </a:p>
+          <a:p>
+            <a:r>
+              <a:rPr lang="en-GB" dirty="0" err="1"/>
+              <a:t>Brug</a:t>
+            </a:r>
+            <a:r>
+              <a:rPr lang="en-GB" dirty="0"/>
+              <a:t> 4 lags print</a:t>
+            </a:r>
+          </a:p>
+          <a:p>
+            <a:r>
+              <a:rPr lang="en-GB" dirty="0" err="1"/>
+              <a:t>Integreret</a:t>
+            </a:r>
+            <a:r>
+              <a:rPr lang="en-GB" dirty="0"/>
+              <a:t>/</a:t>
+            </a:r>
+            <a:r>
+              <a:rPr lang="en-GB" dirty="0" err="1"/>
+              <a:t>små</a:t>
+            </a:r>
+            <a:r>
+              <a:rPr lang="en-GB" dirty="0"/>
+              <a:t> </a:t>
+            </a:r>
+            <a:r>
+              <a:rPr lang="en-GB" dirty="0" err="1"/>
+              <a:t>komponenter</a:t>
+            </a:r>
+            <a:endParaRPr lang="en-GB" dirty="0"/>
+          </a:p>
+          <a:p>
+            <a:r>
+              <a:rPr lang="en-GB" dirty="0"/>
+              <a:t>50Ω </a:t>
+            </a:r>
+            <a:r>
+              <a:rPr lang="en-GB" dirty="0" err="1"/>
+              <a:t>overalt</a:t>
+            </a:r>
+            <a:endParaRPr lang="en-GB" dirty="0"/>
+          </a:p>
+          <a:p>
+            <a:r>
+              <a:rPr lang="en-GB" dirty="0" err="1"/>
+              <a:t>Følg</a:t>
+            </a:r>
+            <a:r>
+              <a:rPr lang="en-GB" dirty="0"/>
+              <a:t> </a:t>
+            </a:r>
+            <a:r>
+              <a:rPr lang="en-GB" dirty="0" err="1"/>
+              <a:t>fabrikantens</a:t>
+            </a:r>
+            <a:r>
+              <a:rPr lang="en-GB" dirty="0"/>
+              <a:t> </a:t>
+            </a:r>
+            <a:r>
+              <a:rPr lang="en-GB" dirty="0" err="1"/>
+              <a:t>anbefallinger</a:t>
+            </a:r>
+            <a:endParaRPr lang="en-GB" dirty="0"/>
+          </a:p>
+          <a:p>
+            <a:r>
+              <a:rPr lang="en-GB" dirty="0"/>
+              <a:t>Route RF </a:t>
+            </a:r>
+            <a:r>
+              <a:rPr lang="en-GB" dirty="0" err="1"/>
+              <a:t>først</a:t>
+            </a:r>
+            <a:endParaRPr lang="LID4096" dirty="0"/>
+          </a:p>
+        </p:txBody>
+      </p:sp>
+      <p:pic>
+        <p:nvPicPr>
+          <p:cNvPr id="1026" name="Picture 2" descr="Billedresultat for cc1110">
+            <a:extLst>
+              <a:ext uri="{FF2B5EF4-FFF2-40B4-BE49-F238E27FC236}">
+                <a16:creationId xmlns:a16="http://schemas.microsoft.com/office/drawing/2014/main" id="{E4F88379-D422-4729-A55F-12B83DDA4BC6}"/>
+              </a:ext>
+            </a:extLst>
+          </p:cNvPr>
+          <p:cNvPicPr>
+            <a:picLocks noChangeAspect="1" noChangeArrowheads="1"/>
+          </p:cNvPicPr>
+          <p:nvPr/>
+        </p:nvPicPr>
+        <p:blipFill>
+          <a:blip r:embed="rId2">
+            <a:extLst>
+              <a:ext uri="{28A0092B-C50C-407E-A947-70E740481C1C}">
+                <a14:useLocalDpi xmlns:a14="http://schemas.microsoft.com/office/drawing/2010/main" val="0"/>
+              </a:ext>
+            </a:extLst>
+          </a:blip>
+          <a:srcRect/>
+          <a:stretch>
+            <a:fillRect/>
+          </a:stretch>
+        </p:blipFill>
+        <p:spPr bwMode="auto">
+          <a:xfrm>
+            <a:off x="6805913" y="3018285"/>
+            <a:ext cx="4876800" cy="3200400"/>
+          </a:xfrm>
+          <a:prstGeom prst="rect">
+            <a:avLst/>
+          </a:prstGeom>
+          <a:noFill/>
+          <a:extLst>
+            <a:ext uri="{909E8E84-426E-40DD-AFC4-6F175D3DCCD1}">
+              <a14:hiddenFill xmlns:a14="http://schemas.microsoft.com/office/drawing/2010/main">
+                <a:solidFill>
+                  <a:srgbClr val="FFFFFF"/>
+                </a:solidFill>
+              </a14:hiddenFill>
+            </a:ext>
+          </a:extLst>
+        </p:spPr>
+      </p:pic>
+    </p:spTree>
+    <p:extLst>
+      <p:ext uri="{BB962C8B-B14F-4D97-AF65-F5344CB8AC3E}">
+        <p14:creationId xmlns:p14="http://schemas.microsoft.com/office/powerpoint/2010/main" val="2811634054"/>
+      </p:ext>
+    </p:extLst>
+  </p:cSld>
+  <p:clrMapOvr>
+    <a:masterClrMapping/>
+  </p:clrMapOvr>
+</p:sld>
+</file>
+
 <file path=ppt/slides/slide8.xml><?xml version="1.0" encoding="utf-8"?>
 <p:sld xmlns:a="http://schemas.openxmlformats.org/drawingml/2006/main" xmlns:r="http://schemas.openxmlformats.org/officeDocument/2006/relationships" xmlns:p="http://schemas.openxmlformats.org/presentationml/2006/main">
   <p:cSld>
@@ -8215,100 +7524,33 @@
           <a:chExt cx="0" cy="0"/>
         </a:xfrm>
       </p:grpSpPr>
-      <p:sp>
-        <p:nvSpPr>
-          <p:cNvPr id="2" name="Titel 1">
+      <p:pic>
+        <p:nvPicPr>
+          <p:cNvPr id="5" name="Onlinemedier 4" title="RF">
+            <a:hlinkClick r:id="" action="ppaction://media"/>
             <a:extLst>
               <a:ext uri="{FF2B5EF4-FFF2-40B4-BE49-F238E27FC236}">
-                <a16:creationId xmlns:a16="http://schemas.microsoft.com/office/drawing/2014/main" id="{90FC6404-4EFD-4A53-99BE-341E4572A41C}"/>
-              </a:ext>
-            </a:extLst>
-          </p:cNvPr>
-          <p:cNvSpPr>
-            <a:spLocks noGrp="1"/>
-          </p:cNvSpPr>
-          <p:nvPr>
-            <p:ph type="title"/>
-          </p:nvPr>
-        </p:nvSpPr>
-        <p:spPr/>
-        <p:txBody>
-          <a:bodyPr/>
-          <a:lstStyle/>
-          <a:p>
-            <a:r>
-              <a:rPr lang="en-GB" dirty="0" err="1"/>
-              <a:t>Padstack</a:t>
-            </a:r>
-            <a:endParaRPr lang="LID4096" dirty="0"/>
-          </a:p>
-        </p:txBody>
-      </p:sp>
-      <p:sp>
-        <p:nvSpPr>
-          <p:cNvPr id="3" name="Pladsholder til indhold 2">
-            <a:extLst>
-              <a:ext uri="{FF2B5EF4-FFF2-40B4-BE49-F238E27FC236}">
-                <a16:creationId xmlns:a16="http://schemas.microsoft.com/office/drawing/2014/main" id="{6BC3B2B1-B323-494F-9736-6F831D13D32D}"/>
-              </a:ext>
-            </a:extLst>
-          </p:cNvPr>
-          <p:cNvSpPr>
-            <a:spLocks noGrp="1"/>
-          </p:cNvSpPr>
-          <p:nvPr>
-            <p:ph idx="1"/>
-          </p:nvPr>
-        </p:nvSpPr>
-        <p:spPr/>
-        <p:txBody>
-          <a:bodyPr/>
-          <a:lstStyle/>
-          <a:p>
-            <a:r>
-              <a:rPr lang="en-GB" dirty="0"/>
-              <a:t>Shape</a:t>
-            </a:r>
-          </a:p>
-          <a:p>
-            <a:r>
-              <a:rPr lang="en-GB" dirty="0"/>
-              <a:t>Type</a:t>
-            </a:r>
-          </a:p>
-          <a:p>
-            <a:r>
-              <a:rPr lang="en-GB" dirty="0" err="1"/>
-              <a:t>Silkemask</a:t>
-            </a:r>
-            <a:endParaRPr lang="LID4096" dirty="0"/>
-          </a:p>
-        </p:txBody>
-      </p:sp>
-      <p:pic>
-        <p:nvPicPr>
-          <p:cNvPr id="9" name="Billede 8">
-            <a:extLst>
-              <a:ext uri="{FF2B5EF4-FFF2-40B4-BE49-F238E27FC236}">
-                <a16:creationId xmlns:a16="http://schemas.microsoft.com/office/drawing/2014/main" id="{567512F3-1813-4425-8DFA-C5FCB2B897C1}"/>
+                <a16:creationId xmlns:a16="http://schemas.microsoft.com/office/drawing/2014/main" id="{2FF52D64-0860-4F1D-A2CE-58145570CB7D}"/>
               </a:ext>
             </a:extLst>
           </p:cNvPr>
           <p:cNvPicPr>
-            <a:picLocks noChangeAspect="1"/>
+            <a:picLocks noRot="1" noChangeAspect="1"/>
           </p:cNvPicPr>
-          <p:nvPr/>
+          <p:nvPr>
+            <a:videoFile r:link="rId1"/>
+          </p:nvPr>
         </p:nvPicPr>
         <p:blipFill>
-          <a:blip r:embed="rId2"/>
+          <a:blip r:embed="rId3"/>
           <a:stretch>
             <a:fillRect/>
           </a:stretch>
         </p:blipFill>
         <p:spPr>
           <a:xfrm>
-            <a:off x="6377484" y="3277056"/>
-            <a:ext cx="5497008" cy="3047088"/>
+            <a:off x="0" y="0"/>
+            <a:ext cx="12138053" cy="6858000"/>
           </a:xfrm>
           <a:prstGeom prst="rect">
             <a:avLst/>
@@ -8318,13 +7560,148 @@
     </p:spTree>
     <p:extLst>
       <p:ext uri="{BB962C8B-B14F-4D97-AF65-F5344CB8AC3E}">
-        <p14:creationId xmlns:p14="http://schemas.microsoft.com/office/powerpoint/2010/main" val="3867261761"/>
+        <p14:creationId xmlns:p14="http://schemas.microsoft.com/office/powerpoint/2010/main" val="2246524090"/>
       </p:ext>
     </p:extLst>
   </p:cSld>
   <p:clrMapOvr>
     <a:masterClrMapping/>
   </p:clrMapOvr>
+  <p:timing>
+    <p:tnLst>
+      <p:par>
+        <p:cTn id="1" dur="indefinite" restart="never" nodeType="tmRoot">
+          <p:childTnLst>
+            <p:seq concurrent="1" nextAc="seek">
+              <p:cTn id="2" dur="indefinite" nodeType="mainSeq">
+                <p:childTnLst>
+                  <p:par>
+                    <p:cTn id="3" fill="hold">
+                      <p:stCondLst>
+                        <p:cond delay="indefinite"/>
+                      </p:stCondLst>
+                      <p:childTnLst>
+                        <p:par>
+                          <p:cTn id="4" fill="hold">
+                            <p:stCondLst>
+                              <p:cond delay="0"/>
+                            </p:stCondLst>
+                            <p:childTnLst>
+                              <p:par>
+                                <p:cTn id="5" presetID="1" presetClass="mediacall" presetSubtype="0" fill="hold" nodeType="clickEffect">
+                                  <p:stCondLst>
+                                    <p:cond delay="0"/>
+                                  </p:stCondLst>
+                                  <p:childTnLst>
+                                    <p:cmd type="call" cmd="playFrom(0.0)">
+                                      <p:cBhvr>
+                                        <p:cTn id="6" dur="1" fill="hold"/>
+                                        <p:tgtEl>
+                                          <p:spTgt spid="5"/>
+                                        </p:tgtEl>
+                                      </p:cBhvr>
+                                    </p:cmd>
+                                  </p:childTnLst>
+                                </p:cTn>
+                              </p:par>
+                            </p:childTnLst>
+                          </p:cTn>
+                        </p:par>
+                      </p:childTnLst>
+                    </p:cTn>
+                  </p:par>
+                </p:childTnLst>
+              </p:cTn>
+              <p:prevCondLst>
+                <p:cond evt="onPrev" delay="0">
+                  <p:tgtEl>
+                    <p:sldTgt/>
+                  </p:tgtEl>
+                </p:cond>
+              </p:prevCondLst>
+              <p:nextCondLst>
+                <p:cond evt="onNext" delay="0">
+                  <p:tgtEl>
+                    <p:sldTgt/>
+                  </p:tgtEl>
+                </p:cond>
+              </p:nextCondLst>
+            </p:seq>
+            <p:video>
+              <p:cMediaNode vol="80000">
+                <p:cTn id="7" fill="hold" display="0">
+                  <p:stCondLst>
+                    <p:cond delay="indefinite"/>
+                  </p:stCondLst>
+                </p:cTn>
+                <p:tgtEl>
+                  <p:spTgt spid="5"/>
+                </p:tgtEl>
+              </p:cMediaNode>
+            </p:video>
+            <p:seq concurrent="1" nextAc="seek">
+              <p:cTn id="8" restart="whenNotActive" fill="hold" evtFilter="cancelBubble" nodeType="interactiveSeq">
+                <p:stCondLst>
+                  <p:cond evt="onClick" delay="0">
+                    <p:tgtEl>
+                      <p:spTgt spid="5"/>
+                    </p:tgtEl>
+                  </p:cond>
+                </p:stCondLst>
+                <p:endSync evt="end" delay="0">
+                  <p:rtn val="all"/>
+                </p:endSync>
+                <p:childTnLst>
+                  <p:par>
+                    <p:cTn id="9" fill="hold">
+                      <p:stCondLst>
+                        <p:cond delay="0"/>
+                      </p:stCondLst>
+                      <p:childTnLst>
+                        <p:par>
+                          <p:cTn id="10" fill="hold">
+                            <p:stCondLst>
+                              <p:cond delay="0"/>
+                            </p:stCondLst>
+                            <p:childTnLst>
+                              <p:par>
+                                <p:cTn id="11" presetID="2" presetClass="mediacall" presetSubtype="0" fill="hold" nodeType="clickEffect">
+                                  <p:stCondLst>
+                                    <p:cond delay="0"/>
+                                  </p:stCondLst>
+                                  <p:childTnLst>
+                                    <p:cmd type="call" cmd="togglePause">
+                                      <p:cBhvr>
+                                        <p:cTn id="12" dur="1" fill="hold"/>
+                                        <p:tgtEl>
+                                          <p:spTgt spid="5"/>
+                                        </p:tgtEl>
+                                      </p:cBhvr>
+                                    </p:cmd>
+                                  </p:childTnLst>
+                                </p:cTn>
+                              </p:par>
+                            </p:childTnLst>
+                          </p:cTn>
+                        </p:par>
+                      </p:childTnLst>
+                    </p:cTn>
+                  </p:par>
+                </p:childTnLst>
+              </p:cTn>
+              <p:nextCondLst>
+                <p:cond evt="onClick" delay="0">
+                  <p:tgtEl>
+                    <p:spTgt spid="5"/>
+                  </p:tgtEl>
+                </p:cond>
+              </p:nextCondLst>
+            </p:seq>
+          </p:childTnLst>
+        </p:cTn>
+      </p:par>
+    </p:tnLst>
+  </p:timing>
 </p:sld>
 </file>
 
@@ -8350,7 +7727,7 @@
           <p:cNvPr id="2" name="Titel 1">
             <a:extLst>
               <a:ext uri="{FF2B5EF4-FFF2-40B4-BE49-F238E27FC236}">
-                <a16:creationId xmlns:a16="http://schemas.microsoft.com/office/drawing/2014/main" id="{891F281A-E0EE-4DDD-B03B-AA879024A6E1}"/>
+                <a16:creationId xmlns:a16="http://schemas.microsoft.com/office/drawing/2014/main" id="{DF9F17B7-640F-4E1C-834C-F2BF97B1A0AD}"/>
               </a:ext>
             </a:extLst>
           </p:cNvPr>
@@ -8368,7 +7745,7 @@
           <a:p>
             <a:r>
               <a:rPr lang="en-GB" dirty="0" err="1"/>
-              <a:t>Routning</a:t>
+              <a:t>Kontrolleret</a:t>
             </a:r>
             <a:r>
               <a:rPr lang="en-GB" dirty="0"/>
@@ -8376,15 +7753,7 @@
             </a:r>
             <a:r>
               <a:rPr lang="en-GB" dirty="0" err="1"/>
-              <a:t>af</a:t>
-            </a:r>
-            <a:r>
-              <a:rPr lang="en-GB" dirty="0"/>
-              <a:t> </a:t>
-            </a:r>
-            <a:r>
-              <a:rPr lang="en-GB" dirty="0" err="1"/>
-              <a:t>baner</a:t>
+              <a:t>impedans</a:t>
             </a:r>
             <a:endParaRPr lang="LID4096" dirty="0"/>
           </a:p>
@@ -8395,7 +7764,7 @@
           <p:cNvPr id="3" name="Pladsholder til indhold 2">
             <a:extLst>
               <a:ext uri="{FF2B5EF4-FFF2-40B4-BE49-F238E27FC236}">
-                <a16:creationId xmlns:a16="http://schemas.microsoft.com/office/drawing/2014/main" id="{F842DC5F-62E3-44BD-BF35-4AAD0488595B}"/>
+                <a16:creationId xmlns:a16="http://schemas.microsoft.com/office/drawing/2014/main" id="{76B69CE6-EC16-44F5-8456-45627545E557}"/>
               </a:ext>
             </a:extLst>
           </p:cNvPr>
@@ -8413,7 +7782,7 @@
           <a:p>
             <a:r>
               <a:rPr lang="en-GB" dirty="0" err="1"/>
-              <a:t>Enkelt</a:t>
+              <a:t>Kritisk</a:t>
             </a:r>
             <a:r>
               <a:rPr lang="en-GB" dirty="0"/>
@@ -8421,7 +7790,49 @@
             </a:r>
             <a:r>
               <a:rPr lang="en-GB" dirty="0" err="1"/>
-              <a:t>baner</a:t>
+              <a:t>længde</a:t>
+            </a:r>
+            <a:endParaRPr lang="en-GB" dirty="0"/>
+          </a:p>
+          <a:p>
+            <a:r>
+              <a:rPr lang="en-GB" dirty="0"/>
+              <a:t>Microstrip (</a:t>
+            </a:r>
+            <a:r>
+              <a:rPr lang="en-GB" dirty="0" err="1"/>
+              <a:t>antenner</a:t>
+            </a:r>
+            <a:r>
+              <a:rPr lang="en-GB" dirty="0"/>
+              <a:t> </a:t>
+            </a:r>
+            <a:r>
+              <a:rPr lang="en-GB" dirty="0" err="1"/>
+              <a:t>m.m.</a:t>
+            </a:r>
+            <a:r>
+              <a:rPr lang="en-GB" dirty="0"/>
+              <a:t>) </a:t>
+            </a:r>
+            <a:r>
+              <a:rPr lang="en-GB" dirty="0">
+                <a:hlinkClick r:id="rId2"/>
+              </a:rPr>
+              <a:t>https://cart.jlcpcb.com/impedanceCalculation</a:t>
+            </a:r>
+            <a:endParaRPr lang="en-GB" dirty="0"/>
+          </a:p>
+          <a:p>
+            <a:r>
+              <a:rPr lang="en-GB" dirty="0"/>
+              <a:t>Pad-to-Trace</a:t>
+            </a:r>
+          </a:p>
+          <a:p>
+            <a:r>
+              <a:rPr lang="en-GB" dirty="0" err="1"/>
+              <a:t>Clearende</a:t>
             </a:r>
             <a:endParaRPr lang="en-GB" dirty="0"/>
           </a:p>
@@ -8432,20 +7843,62 @@
             </a:r>
             <a:r>
               <a:rPr lang="en-GB" dirty="0"/>
+              <a:t> par (</a:t>
+            </a:r>
+            <a:r>
+              <a:rPr lang="en-GB" dirty="0" err="1"/>
+              <a:t>usb</a:t>
+            </a:r>
+            <a:r>
+              <a:rPr lang="en-GB" dirty="0"/>
               <a:t> </a:t>
             </a:r>
             <a:r>
               <a:rPr lang="en-GB" dirty="0" err="1"/>
-              <a:t>signaler</a:t>
+              <a:t>m.m.</a:t>
+            </a:r>
+            <a:r>
+              <a:rPr lang="en-GB" dirty="0"/>
+              <a:t>)</a:t>
             </a:r>
             <a:endParaRPr lang="LID4096" dirty="0"/>
           </a:p>
         </p:txBody>
       </p:sp>
+      <p:pic>
+        <p:nvPicPr>
+          <p:cNvPr id="5" name="Billede 4">
+            <a:extLst>
+              <a:ext uri="{FF2B5EF4-FFF2-40B4-BE49-F238E27FC236}">
+                <a16:creationId xmlns:a16="http://schemas.microsoft.com/office/drawing/2014/main" id="{FB8E358A-D1F9-497A-8079-A9CF53C3CA93}"/>
+              </a:ext>
+            </a:extLst>
+          </p:cNvPr>
+          <p:cNvPicPr>
+            <a:picLocks noChangeAspect="1"/>
+          </p:cNvPicPr>
+          <p:nvPr/>
+        </p:nvPicPr>
+        <p:blipFill>
+          <a:blip r:embed="rId3"/>
+          <a:stretch>
+            <a:fillRect/>
+          </a:stretch>
+        </p:blipFill>
+        <p:spPr>
+          <a:xfrm>
+            <a:off x="6095999" y="3429000"/>
+            <a:ext cx="5934985" cy="3429000"/>
+          </a:xfrm>
+          <a:prstGeom prst="rect">
+            <a:avLst/>
+          </a:prstGeom>
+        </p:spPr>
+      </p:pic>
     </p:spTree>
     <p:extLst>
       <p:ext uri="{BB962C8B-B14F-4D97-AF65-F5344CB8AC3E}">
-        <p14:creationId xmlns:p14="http://schemas.microsoft.com/office/powerpoint/2010/main" val="3942868684"/>
+        <p14:creationId xmlns:p14="http://schemas.microsoft.com/office/powerpoint/2010/main" val="1320795711"/>
       </p:ext>
     </p:extLst>
   </p:cSld>
